--- a/Document/[2015.02.11] Java Study 0차.pptx
+++ b/Document/[2015.02.11] Java Study 0차.pptx
@@ -5,7 +5,7 @@
     <p:sldMasterId id="2147483648" r:id="rId1"/>
   </p:sldMasterIdLst>
   <p:notesMasterIdLst>
-    <p:notesMasterId r:id="rId16"/>
+    <p:notesMasterId r:id="rId17"/>
   </p:notesMasterIdLst>
   <p:sldIdLst>
     <p:sldId id="256" r:id="rId2"/>
@@ -20,8 +20,9 @@
     <p:sldId id="353" r:id="rId11"/>
     <p:sldId id="354" r:id="rId12"/>
     <p:sldId id="355" r:id="rId13"/>
-    <p:sldId id="356" r:id="rId14"/>
-    <p:sldId id="348" r:id="rId15"/>
+    <p:sldId id="357" r:id="rId14"/>
+    <p:sldId id="356" r:id="rId15"/>
+    <p:sldId id="348" r:id="rId16"/>
   </p:sldIdLst>
   <p:sldSz cx="9906000" cy="6858000" type="A4"/>
   <p:notesSz cx="6858000" cy="9144000"/>
@@ -206,7 +207,7 @@
             <a:fld id="{3209AF6D-5FEE-4CF9-B4F4-E245D57A2A78}" type="datetimeFigureOut">
               <a:rPr lang="ko-KR" altLang="en-US" smtClean="0"/>
               <a:pPr/>
-              <a:t>15. 2. 10.</a:t>
+              <a:t>15. 2. 11.</a:t>
             </a:fld>
             <a:endParaRPr lang="ko-KR" altLang="en-US"/>
           </a:p>
@@ -2507,13 +2508,7 @@
               <a:rPr lang="en-US" altLang="ko-KR" sz="2000" dirty="0" smtClean="0">
                 <a:ea typeface="돋움" pitchFamily="50" charset="-127"/>
               </a:rPr>
-              <a:t>.</a:t>
-            </a:r>
-            <a:r>
-              <a:rPr lang="en-US" altLang="ko-KR" sz="2000" dirty="0" smtClean="0">
-                <a:ea typeface="돋움" pitchFamily="50" charset="-127"/>
-              </a:rPr>
-              <a:t> </a:t>
+              <a:t>. </a:t>
             </a:r>
           </a:p>
           <a:p>
@@ -3701,13 +3696,7 @@
               <a:rPr lang="en-US" altLang="ko-KR" sz="2000" dirty="0" smtClean="0">
                 <a:ea typeface="돋움" pitchFamily="50" charset="-127"/>
               </a:rPr>
-              <a:t>.</a:t>
-            </a:r>
-            <a:r>
-              <a:rPr lang="en-US" altLang="ko-KR" sz="2000" dirty="0" smtClean="0">
-                <a:ea typeface="돋움" pitchFamily="50" charset="-127"/>
-              </a:rPr>
-              <a:t> </a:t>
+              <a:t>. </a:t>
             </a:r>
           </a:p>
           <a:p>
@@ -4946,6 +4935,1351 @@
       </p:sp>
       <p:sp>
         <p:nvSpPr>
+          <p:cNvPr id="10" name="Slide Number Placeholder 1"/>
+          <p:cNvSpPr txBox="1">
+            <a:spLocks/>
+          </p:cNvSpPr>
+          <p:nvPr/>
+        </p:nvSpPr>
+        <p:spPr>
+          <a:xfrm>
+            <a:off x="7594600" y="6579350"/>
+            <a:ext cx="2311400" cy="278650"/>
+          </a:xfrm>
+          <a:prstGeom prst="rect">
+            <a:avLst/>
+          </a:prstGeom>
+        </p:spPr>
+        <p:txBody>
+          <a:bodyPr vert="horz" lIns="91440" tIns="45720" rIns="91440" bIns="45720" rtlCol="0" anchor="ctr"/>
+          <a:lstStyle>
+            <a:defPPr>
+              <a:defRPr lang="ko-KR"/>
+            </a:defPPr>
+            <a:lvl1pPr marL="0" algn="r" defTabSz="914400" rtl="0" eaLnBrk="1" latinLnBrk="1" hangingPunct="1">
+              <a:defRPr sz="1000" kern="1200">
+                <a:solidFill>
+                  <a:srgbClr val="FFFFFF"/>
+                </a:solidFill>
+                <a:latin typeface="+mn-lt"/>
+                <a:ea typeface="+mn-ea"/>
+                <a:cs typeface="+mn-cs"/>
+              </a:defRPr>
+            </a:lvl1pPr>
+            <a:lvl2pPr marL="457200" algn="l" defTabSz="914400" rtl="0" eaLnBrk="1" latinLnBrk="1" hangingPunct="1">
+              <a:defRPr sz="1800" kern="1200">
+                <a:solidFill>
+                  <a:schemeClr val="tx1"/>
+                </a:solidFill>
+                <a:latin typeface="+mn-lt"/>
+                <a:ea typeface="+mn-ea"/>
+                <a:cs typeface="+mn-cs"/>
+              </a:defRPr>
+            </a:lvl2pPr>
+            <a:lvl3pPr marL="914400" algn="l" defTabSz="914400" rtl="0" eaLnBrk="1" latinLnBrk="1" hangingPunct="1">
+              <a:defRPr sz="1800" kern="1200">
+                <a:solidFill>
+                  <a:schemeClr val="tx1"/>
+                </a:solidFill>
+                <a:latin typeface="+mn-lt"/>
+                <a:ea typeface="+mn-ea"/>
+                <a:cs typeface="+mn-cs"/>
+              </a:defRPr>
+            </a:lvl3pPr>
+            <a:lvl4pPr marL="1371600" algn="l" defTabSz="914400" rtl="0" eaLnBrk="1" latinLnBrk="1" hangingPunct="1">
+              <a:defRPr sz="1800" kern="1200">
+                <a:solidFill>
+                  <a:schemeClr val="tx1"/>
+                </a:solidFill>
+                <a:latin typeface="+mn-lt"/>
+                <a:ea typeface="+mn-ea"/>
+                <a:cs typeface="+mn-cs"/>
+              </a:defRPr>
+            </a:lvl4pPr>
+            <a:lvl5pPr marL="1828800" algn="l" defTabSz="914400" rtl="0" eaLnBrk="1" latinLnBrk="1" hangingPunct="1">
+              <a:defRPr sz="1800" kern="1200">
+                <a:solidFill>
+                  <a:schemeClr val="tx1"/>
+                </a:solidFill>
+                <a:latin typeface="+mn-lt"/>
+                <a:ea typeface="+mn-ea"/>
+                <a:cs typeface="+mn-cs"/>
+              </a:defRPr>
+            </a:lvl5pPr>
+            <a:lvl6pPr marL="2286000" algn="l" defTabSz="914400" rtl="0" eaLnBrk="1" latinLnBrk="1" hangingPunct="1">
+              <a:defRPr sz="1800" kern="1200">
+                <a:solidFill>
+                  <a:schemeClr val="tx1"/>
+                </a:solidFill>
+                <a:latin typeface="+mn-lt"/>
+                <a:ea typeface="+mn-ea"/>
+                <a:cs typeface="+mn-cs"/>
+              </a:defRPr>
+            </a:lvl6pPr>
+            <a:lvl7pPr marL="2743200" algn="l" defTabSz="914400" rtl="0" eaLnBrk="1" latinLnBrk="1" hangingPunct="1">
+              <a:defRPr sz="1800" kern="1200">
+                <a:solidFill>
+                  <a:schemeClr val="tx1"/>
+                </a:solidFill>
+                <a:latin typeface="+mn-lt"/>
+                <a:ea typeface="+mn-ea"/>
+                <a:cs typeface="+mn-cs"/>
+              </a:defRPr>
+            </a:lvl7pPr>
+            <a:lvl8pPr marL="3200400" algn="l" defTabSz="914400" rtl="0" eaLnBrk="1" latinLnBrk="1" hangingPunct="1">
+              <a:defRPr sz="1800" kern="1200">
+                <a:solidFill>
+                  <a:schemeClr val="tx1"/>
+                </a:solidFill>
+                <a:latin typeface="+mn-lt"/>
+                <a:ea typeface="+mn-ea"/>
+                <a:cs typeface="+mn-cs"/>
+              </a:defRPr>
+            </a:lvl8pPr>
+            <a:lvl9pPr marL="3657600" algn="l" defTabSz="914400" rtl="0" eaLnBrk="1" latinLnBrk="1" hangingPunct="1">
+              <a:defRPr sz="1800" kern="1200">
+                <a:solidFill>
+                  <a:schemeClr val="tx1"/>
+                </a:solidFill>
+                <a:latin typeface="+mn-lt"/>
+                <a:ea typeface="+mn-ea"/>
+                <a:cs typeface="+mn-cs"/>
+              </a:defRPr>
+            </a:lvl9pPr>
+          </a:lstStyle>
+          <a:p>
+            <a:fld id="{5AA28E66-120B-484F-92DB-562B1AF73FA6}" type="slidenum">
+              <a:rPr lang="ko-KR" altLang="en-US" smtClean="0"/>
+              <a:pPr/>
+              <a:t>13</a:t>
+            </a:fld>
+            <a:endParaRPr lang="ko-KR" altLang="en-US" dirty="0"/>
+          </a:p>
+        </p:txBody>
+      </p:sp>
+      <p:sp>
+        <p:nvSpPr>
+          <p:cNvPr id="11" name="Rectangle 38"/>
+          <p:cNvSpPr txBox="1">
+            <a:spLocks noChangeArrowheads="1"/>
+          </p:cNvSpPr>
+          <p:nvPr/>
+        </p:nvSpPr>
+        <p:spPr bwMode="auto">
+          <a:xfrm>
+            <a:off x="1" y="683695"/>
+            <a:ext cx="9905999" cy="5895655"/>
+          </a:xfrm>
+          <a:prstGeom prst="rect">
+            <a:avLst/>
+          </a:prstGeom>
+          <a:noFill/>
+          <a:ln w="9525">
+            <a:noFill/>
+            <a:miter lim="800000"/>
+            <a:headEnd/>
+            <a:tailEnd/>
+          </a:ln>
+          <a:effectLst/>
+        </p:spPr>
+        <p:txBody>
+          <a:bodyPr vert="horz" wrap="square" lIns="91440" tIns="45720" rIns="91440" bIns="45720" numCol="1" anchor="t" anchorCtr="0" compatLnSpc="1">
+            <a:prstTxWarp prst="textNoShape">
+              <a:avLst/>
+            </a:prstTxWarp>
+          </a:bodyPr>
+          <a:lstStyle/>
+          <a:p>
+            <a:pPr lvl="1" defTabSz="914296" fontAlgn="base">
+              <a:spcBef>
+                <a:spcPct val="0"/>
+              </a:spcBef>
+              <a:spcAft>
+                <a:spcPct val="0"/>
+              </a:spcAft>
+              <a:defRPr/>
+            </a:pPr>
+            <a:endParaRPr lang="en-US" altLang="ko-KR" sz="2000" dirty="0" smtClean="0">
+              <a:ea typeface="돋움" pitchFamily="50" charset="-127"/>
+            </a:endParaRPr>
+          </a:p>
+          <a:p>
+            <a:pPr lvl="1" defTabSz="914296" fontAlgn="base">
+              <a:spcBef>
+                <a:spcPct val="0"/>
+              </a:spcBef>
+              <a:spcAft>
+                <a:spcPct val="0"/>
+              </a:spcAft>
+              <a:defRPr/>
+            </a:pPr>
+            <a:r>
+              <a:rPr lang="en-US" sz="3000" dirty="0" err="1"/>
+              <a:t>SourceTree</a:t>
+            </a:r>
+            <a:r>
+              <a:rPr lang="en-US" sz="3000" dirty="0"/>
+              <a:t> </a:t>
+            </a:r>
+            <a:r>
+              <a:rPr lang="en-US" sz="3000" dirty="0" err="1"/>
+              <a:t>Git</a:t>
+            </a:r>
+            <a:r>
+              <a:rPr lang="en-US" sz="3000" dirty="0"/>
+              <a:t> </a:t>
+            </a:r>
+            <a:r>
+              <a:rPr lang="ko-KR" altLang="en-US" sz="3000" dirty="0" smtClean="0"/>
+              <a:t>기본 환경설정</a:t>
+            </a:r>
+            <a:endParaRPr lang="en-US" sz="3000" dirty="0" smtClean="0"/>
+          </a:p>
+          <a:p>
+            <a:pPr lvl="1" defTabSz="914296" fontAlgn="base">
+              <a:spcBef>
+                <a:spcPct val="0"/>
+              </a:spcBef>
+              <a:spcAft>
+                <a:spcPct val="0"/>
+              </a:spcAft>
+              <a:defRPr/>
+            </a:pPr>
+            <a:endParaRPr lang="en-US" altLang="ko-KR" sz="2000" dirty="0" smtClean="0">
+              <a:ea typeface="돋움" pitchFamily="50" charset="-127"/>
+            </a:endParaRPr>
+          </a:p>
+          <a:p>
+            <a:pPr marL="800100" lvl="1" indent="-342900" defTabSz="914296" fontAlgn="base">
+              <a:spcBef>
+                <a:spcPct val="0"/>
+              </a:spcBef>
+              <a:spcAft>
+                <a:spcPct val="0"/>
+              </a:spcAft>
+              <a:buFont typeface="Wingdings" charset="2"/>
+              <a:buChar char="§"/>
+              <a:defRPr/>
+            </a:pPr>
+            <a:r>
+              <a:rPr lang="ko-KR" altLang="en-US" sz="2000" dirty="0">
+                <a:ea typeface="돋움" pitchFamily="50" charset="-127"/>
+              </a:rPr>
+              <a:t> </a:t>
+            </a:r>
+            <a:r>
+              <a:rPr lang="ko-KR" altLang="en-US" sz="2000" dirty="0" smtClean="0">
+                <a:ea typeface="돋움" pitchFamily="50" charset="-127"/>
+              </a:rPr>
+              <a:t>우측 상단에 있는 </a:t>
+            </a:r>
+            <a:r>
+              <a:rPr lang="en-US" altLang="ko-KR" sz="2000" dirty="0" smtClean="0">
+                <a:ea typeface="돋움" pitchFamily="50" charset="-127"/>
+              </a:rPr>
+              <a:t>Setting &gt; Advanced</a:t>
+            </a:r>
+            <a:r>
+              <a:rPr lang="ko-KR" altLang="en-US" sz="2000" dirty="0" smtClean="0">
+                <a:ea typeface="돋움" pitchFamily="50" charset="-127"/>
+              </a:rPr>
+              <a:t> 클릭</a:t>
+            </a:r>
+            <a:endParaRPr lang="en-US" altLang="ko-KR" sz="2000" dirty="0" smtClean="0">
+              <a:ea typeface="돋움" pitchFamily="50" charset="-127"/>
+            </a:endParaRPr>
+          </a:p>
+          <a:p>
+            <a:pPr marL="800100" lvl="1" indent="-342900" defTabSz="914296" fontAlgn="base">
+              <a:spcBef>
+                <a:spcPct val="0"/>
+              </a:spcBef>
+              <a:spcAft>
+                <a:spcPct val="0"/>
+              </a:spcAft>
+              <a:buFont typeface="Wingdings" charset="2"/>
+              <a:buChar char="§"/>
+              <a:defRPr/>
+            </a:pPr>
+            <a:r>
+              <a:rPr lang="en-US" altLang="ko-KR" sz="2000" dirty="0" smtClean="0">
+                <a:ea typeface="돋움" pitchFamily="50" charset="-127"/>
+              </a:rPr>
+              <a:t>User Information </a:t>
+            </a:r>
+            <a:r>
+              <a:rPr lang="ko-KR" altLang="en-US" sz="2000" dirty="0" smtClean="0">
+                <a:ea typeface="돋움" pitchFamily="50" charset="-127"/>
+              </a:rPr>
+              <a:t>의 </a:t>
+            </a:r>
+            <a:r>
+              <a:rPr lang="en-US" altLang="ko-KR" sz="2000" dirty="0" smtClean="0">
+                <a:ea typeface="돋움" pitchFamily="50" charset="-127"/>
+              </a:rPr>
+              <a:t>Full Name, Email Address</a:t>
+            </a:r>
+            <a:r>
+              <a:rPr lang="ko-KR" altLang="en-US" sz="2000" dirty="0" smtClean="0">
+                <a:ea typeface="돋움" pitchFamily="50" charset="-127"/>
+              </a:rPr>
+              <a:t> 확인 </a:t>
+            </a:r>
+            <a:endParaRPr lang="en-US" altLang="ko-KR" sz="2000" dirty="0" smtClean="0">
+              <a:ea typeface="돋움" pitchFamily="50" charset="-127"/>
+            </a:endParaRPr>
+          </a:p>
+          <a:p>
+            <a:pPr marL="800100" lvl="1" indent="-342900" defTabSz="914296" fontAlgn="base">
+              <a:spcBef>
+                <a:spcPct val="0"/>
+              </a:spcBef>
+              <a:spcAft>
+                <a:spcPct val="0"/>
+              </a:spcAft>
+              <a:buFont typeface="Wingdings" charset="2"/>
+              <a:buChar char="§"/>
+              <a:defRPr/>
+            </a:pPr>
+            <a:endParaRPr lang="en-US" altLang="ko-KR" sz="2000" dirty="0" smtClean="0">
+              <a:ea typeface="돋움" pitchFamily="50" charset="-127"/>
+            </a:endParaRPr>
+          </a:p>
+          <a:p>
+            <a:pPr marL="800100" lvl="1" indent="-342900" defTabSz="914296" fontAlgn="base">
+              <a:spcBef>
+                <a:spcPct val="0"/>
+              </a:spcBef>
+              <a:spcAft>
+                <a:spcPct val="0"/>
+              </a:spcAft>
+              <a:buFont typeface="Wingdings" charset="2"/>
+              <a:buChar char="§"/>
+              <a:defRPr/>
+            </a:pPr>
+            <a:endParaRPr lang="en-US" altLang="ko-KR" sz="2000" dirty="0">
+              <a:ea typeface="돋움" pitchFamily="50" charset="-127"/>
+            </a:endParaRPr>
+          </a:p>
+        </p:txBody>
+      </p:sp>
+      <p:sp>
+        <p:nvSpPr>
+          <p:cNvPr id="12" name="Rectangle 38"/>
+          <p:cNvSpPr txBox="1">
+            <a:spLocks noChangeArrowheads="1"/>
+          </p:cNvSpPr>
+          <p:nvPr/>
+        </p:nvSpPr>
+        <p:spPr bwMode="auto">
+          <a:xfrm>
+            <a:off x="182470" y="188640"/>
+            <a:ext cx="5220580" cy="530225"/>
+          </a:xfrm>
+          <a:prstGeom prst="rect">
+            <a:avLst/>
+          </a:prstGeom>
+          <a:noFill/>
+          <a:ln w="9525">
+            <a:noFill/>
+            <a:miter lim="800000"/>
+            <a:headEnd/>
+            <a:tailEnd/>
+          </a:ln>
+          <a:effectLst/>
+        </p:spPr>
+        <p:txBody>
+          <a:bodyPr vert="horz" wrap="square" lIns="91440" tIns="45720" rIns="91440" bIns="45720" numCol="1" anchor="ctr" anchorCtr="0" compatLnSpc="1">
+            <a:prstTxWarp prst="textNoShape">
+              <a:avLst/>
+            </a:prstTxWarp>
+          </a:bodyPr>
+          <a:lstStyle/>
+          <a:p>
+            <a:pPr lvl="0" fontAlgn="base">
+              <a:spcBef>
+                <a:spcPct val="0"/>
+              </a:spcBef>
+              <a:spcAft>
+                <a:spcPct val="0"/>
+              </a:spcAft>
+              <a:defRPr/>
+            </a:pPr>
+            <a:r>
+              <a:rPr kumimoji="1" lang="en-US" altLang="ko-KR" kern="0" dirty="0">
+                <a:latin typeface="HY견고딕"/>
+                <a:ea typeface="HY견고딕"/>
+              </a:rPr>
+              <a:t>Java </a:t>
+            </a:r>
+            <a:r>
+              <a:rPr kumimoji="1" lang="en-US" altLang="ko-KR" kern="0" dirty="0" smtClean="0">
+                <a:latin typeface="HY견고딕"/>
+                <a:ea typeface="HY견고딕"/>
+              </a:rPr>
+              <a:t>Study</a:t>
+            </a:r>
+            <a:endParaRPr kumimoji="1" lang="ko-KR" altLang="en-US" kern="0" dirty="0">
+              <a:latin typeface="HY견고딕"/>
+              <a:ea typeface="HY견고딕"/>
+            </a:endParaRPr>
+          </a:p>
+        </p:txBody>
+      </p:sp>
+      <p:pic>
+        <p:nvPicPr>
+          <p:cNvPr id="14" name="Picture 13" descr="스크린샷 2015-02-11 10.43.59.png"/>
+          <p:cNvPicPr>
+            <a:picLocks noChangeAspect="1"/>
+          </p:cNvPicPr>
+          <p:nvPr/>
+        </p:nvPicPr>
+        <p:blipFill>
+          <a:blip r:embed="rId2">
+            <a:extLst>
+              <a:ext uri="{28A0092B-C50C-407E-A947-70E740481C1C}">
+                <a14:useLocalDpi xmlns:a14="http://schemas.microsoft.com/office/drawing/2010/main" val="0"/>
+              </a:ext>
+            </a:extLst>
+          </a:blip>
+          <a:stretch>
+            <a:fillRect/>
+          </a:stretch>
+        </p:blipFill>
+        <p:spPr>
+          <a:xfrm>
+            <a:off x="1524000" y="3217050"/>
+            <a:ext cx="6858000" cy="1562100"/>
+          </a:xfrm>
+          <a:prstGeom prst="rect">
+            <a:avLst/>
+          </a:prstGeom>
+        </p:spPr>
+      </p:pic>
+    </p:spTree>
+    <p:extLst>
+      <p:ext uri="{BB962C8B-B14F-4D97-AF65-F5344CB8AC3E}">
+        <p14:creationId xmlns:p14="http://schemas.microsoft.com/office/powerpoint/2010/main" val="982041771"/>
+      </p:ext>
+    </p:extLst>
+  </p:cSld>
+  <p:clrMapOvr>
+    <a:masterClrMapping/>
+  </p:clrMapOvr>
+</p:sld>
+</file>
+
+<file path=ppt/slides/slide14.xml><?xml version="1.0" encoding="utf-8"?>
+<p:sld xmlns:a="http://schemas.openxmlformats.org/drawingml/2006/main" xmlns:r="http://schemas.openxmlformats.org/officeDocument/2006/relationships" xmlns:p="http://schemas.openxmlformats.org/presentationml/2006/main">
+  <p:cSld>
+    <p:spTree>
+      <p:nvGrpSpPr>
+        <p:cNvPr id="1" name=""/>
+        <p:cNvGrpSpPr/>
+        <p:nvPr/>
+      </p:nvGrpSpPr>
+      <p:grpSpPr>
+        <a:xfrm>
+          <a:off x="0" y="0"/>
+          <a:ext cx="0" cy="0"/>
+          <a:chOff x="0" y="0"/>
+          <a:chExt cx="0" cy="0"/>
+        </a:xfrm>
+      </p:grpSpPr>
+      <p:sp>
+        <p:nvSpPr>
+          <p:cNvPr id="2" name="Slide Number Placeholder 1"/>
+          <p:cNvSpPr>
+            <a:spLocks noGrp="1"/>
+          </p:cNvSpPr>
+          <p:nvPr>
+            <p:ph type="sldNum" sz="quarter" idx="4"/>
+          </p:nvPr>
+        </p:nvSpPr>
+        <p:spPr/>
+        <p:txBody>
+          <a:bodyPr/>
+          <a:lstStyle/>
+          <a:p>
+            <a:fld id="{5AA28E66-120B-484F-92DB-562B1AF73FA6}" type="slidenum">
+              <a:rPr lang="ko-KR" altLang="en-US" smtClean="0"/>
+              <a:pPr/>
+              <a:t>14</a:t>
+            </a:fld>
+            <a:endParaRPr lang="ko-KR" altLang="en-US" dirty="0"/>
+          </a:p>
+        </p:txBody>
+      </p:sp>
+      <p:sp>
+        <p:nvSpPr>
+          <p:cNvPr id="3" name="Slide Number Placeholder 1"/>
+          <p:cNvSpPr txBox="1">
+            <a:spLocks/>
+          </p:cNvSpPr>
+          <p:nvPr/>
+        </p:nvSpPr>
+        <p:spPr>
+          <a:xfrm>
+            <a:off x="7594600" y="6579350"/>
+            <a:ext cx="2311400" cy="278650"/>
+          </a:xfrm>
+          <a:prstGeom prst="rect">
+            <a:avLst/>
+          </a:prstGeom>
+        </p:spPr>
+        <p:txBody>
+          <a:bodyPr vert="horz" lIns="91440" tIns="45720" rIns="91440" bIns="45720" rtlCol="0" anchor="ctr"/>
+          <a:lstStyle>
+            <a:defPPr>
+              <a:defRPr lang="ko-KR"/>
+            </a:defPPr>
+            <a:lvl1pPr marL="0" algn="r" defTabSz="914400" rtl="0" eaLnBrk="1" latinLnBrk="1" hangingPunct="1">
+              <a:defRPr sz="1000" kern="1200">
+                <a:solidFill>
+                  <a:srgbClr val="FFFFFF"/>
+                </a:solidFill>
+                <a:latin typeface="+mn-lt"/>
+                <a:ea typeface="+mn-ea"/>
+                <a:cs typeface="+mn-cs"/>
+              </a:defRPr>
+            </a:lvl1pPr>
+            <a:lvl2pPr marL="457200" algn="l" defTabSz="914400" rtl="0" eaLnBrk="1" latinLnBrk="1" hangingPunct="1">
+              <a:defRPr sz="1800" kern="1200">
+                <a:solidFill>
+                  <a:schemeClr val="tx1"/>
+                </a:solidFill>
+                <a:latin typeface="+mn-lt"/>
+                <a:ea typeface="+mn-ea"/>
+                <a:cs typeface="+mn-cs"/>
+              </a:defRPr>
+            </a:lvl2pPr>
+            <a:lvl3pPr marL="914400" algn="l" defTabSz="914400" rtl="0" eaLnBrk="1" latinLnBrk="1" hangingPunct="1">
+              <a:defRPr sz="1800" kern="1200">
+                <a:solidFill>
+                  <a:schemeClr val="tx1"/>
+                </a:solidFill>
+                <a:latin typeface="+mn-lt"/>
+                <a:ea typeface="+mn-ea"/>
+                <a:cs typeface="+mn-cs"/>
+              </a:defRPr>
+            </a:lvl3pPr>
+            <a:lvl4pPr marL="1371600" algn="l" defTabSz="914400" rtl="0" eaLnBrk="1" latinLnBrk="1" hangingPunct="1">
+              <a:defRPr sz="1800" kern="1200">
+                <a:solidFill>
+                  <a:schemeClr val="tx1"/>
+                </a:solidFill>
+                <a:latin typeface="+mn-lt"/>
+                <a:ea typeface="+mn-ea"/>
+                <a:cs typeface="+mn-cs"/>
+              </a:defRPr>
+            </a:lvl4pPr>
+            <a:lvl5pPr marL="1828800" algn="l" defTabSz="914400" rtl="0" eaLnBrk="1" latinLnBrk="1" hangingPunct="1">
+              <a:defRPr sz="1800" kern="1200">
+                <a:solidFill>
+                  <a:schemeClr val="tx1"/>
+                </a:solidFill>
+                <a:latin typeface="+mn-lt"/>
+                <a:ea typeface="+mn-ea"/>
+                <a:cs typeface="+mn-cs"/>
+              </a:defRPr>
+            </a:lvl5pPr>
+            <a:lvl6pPr marL="2286000" algn="l" defTabSz="914400" rtl="0" eaLnBrk="1" latinLnBrk="1" hangingPunct="1">
+              <a:defRPr sz="1800" kern="1200">
+                <a:solidFill>
+                  <a:schemeClr val="tx1"/>
+                </a:solidFill>
+                <a:latin typeface="+mn-lt"/>
+                <a:ea typeface="+mn-ea"/>
+                <a:cs typeface="+mn-cs"/>
+              </a:defRPr>
+            </a:lvl6pPr>
+            <a:lvl7pPr marL="2743200" algn="l" defTabSz="914400" rtl="0" eaLnBrk="1" latinLnBrk="1" hangingPunct="1">
+              <a:defRPr sz="1800" kern="1200">
+                <a:solidFill>
+                  <a:schemeClr val="tx1"/>
+                </a:solidFill>
+                <a:latin typeface="+mn-lt"/>
+                <a:ea typeface="+mn-ea"/>
+                <a:cs typeface="+mn-cs"/>
+              </a:defRPr>
+            </a:lvl7pPr>
+            <a:lvl8pPr marL="3200400" algn="l" defTabSz="914400" rtl="0" eaLnBrk="1" latinLnBrk="1" hangingPunct="1">
+              <a:defRPr sz="1800" kern="1200">
+                <a:solidFill>
+                  <a:schemeClr val="tx1"/>
+                </a:solidFill>
+                <a:latin typeface="+mn-lt"/>
+                <a:ea typeface="+mn-ea"/>
+                <a:cs typeface="+mn-cs"/>
+              </a:defRPr>
+            </a:lvl8pPr>
+            <a:lvl9pPr marL="3657600" algn="l" defTabSz="914400" rtl="0" eaLnBrk="1" latinLnBrk="1" hangingPunct="1">
+              <a:defRPr sz="1800" kern="1200">
+                <a:solidFill>
+                  <a:schemeClr val="tx1"/>
+                </a:solidFill>
+                <a:latin typeface="+mn-lt"/>
+                <a:ea typeface="+mn-ea"/>
+                <a:cs typeface="+mn-cs"/>
+              </a:defRPr>
+            </a:lvl9pPr>
+          </a:lstStyle>
+          <a:p>
+            <a:fld id="{5AA28E66-120B-484F-92DB-562B1AF73FA6}" type="slidenum">
+              <a:rPr lang="ko-KR" altLang="en-US" smtClean="0"/>
+              <a:pPr/>
+              <a:t>14</a:t>
+            </a:fld>
+            <a:endParaRPr lang="ko-KR" altLang="en-US" dirty="0"/>
+          </a:p>
+        </p:txBody>
+      </p:sp>
+      <p:sp>
+        <p:nvSpPr>
+          <p:cNvPr id="4" name="Slide Number Placeholder 1"/>
+          <p:cNvSpPr txBox="1">
+            <a:spLocks/>
+          </p:cNvSpPr>
+          <p:nvPr/>
+        </p:nvSpPr>
+        <p:spPr>
+          <a:xfrm>
+            <a:off x="7594600" y="6579350"/>
+            <a:ext cx="2311400" cy="278650"/>
+          </a:xfrm>
+          <a:prstGeom prst="rect">
+            <a:avLst/>
+          </a:prstGeom>
+        </p:spPr>
+        <p:txBody>
+          <a:bodyPr vert="horz" lIns="91440" tIns="45720" rIns="91440" bIns="45720" rtlCol="0" anchor="ctr"/>
+          <a:lstStyle>
+            <a:defPPr>
+              <a:defRPr lang="ko-KR"/>
+            </a:defPPr>
+            <a:lvl1pPr marL="0" algn="r" defTabSz="914400" rtl="0" eaLnBrk="1" latinLnBrk="1" hangingPunct="1">
+              <a:defRPr sz="1000" kern="1200">
+                <a:solidFill>
+                  <a:srgbClr val="FFFFFF"/>
+                </a:solidFill>
+                <a:latin typeface="+mn-lt"/>
+                <a:ea typeface="+mn-ea"/>
+                <a:cs typeface="+mn-cs"/>
+              </a:defRPr>
+            </a:lvl1pPr>
+            <a:lvl2pPr marL="457200" algn="l" defTabSz="914400" rtl="0" eaLnBrk="1" latinLnBrk="1" hangingPunct="1">
+              <a:defRPr sz="1800" kern="1200">
+                <a:solidFill>
+                  <a:schemeClr val="tx1"/>
+                </a:solidFill>
+                <a:latin typeface="+mn-lt"/>
+                <a:ea typeface="+mn-ea"/>
+                <a:cs typeface="+mn-cs"/>
+              </a:defRPr>
+            </a:lvl2pPr>
+            <a:lvl3pPr marL="914400" algn="l" defTabSz="914400" rtl="0" eaLnBrk="1" latinLnBrk="1" hangingPunct="1">
+              <a:defRPr sz="1800" kern="1200">
+                <a:solidFill>
+                  <a:schemeClr val="tx1"/>
+                </a:solidFill>
+                <a:latin typeface="+mn-lt"/>
+                <a:ea typeface="+mn-ea"/>
+                <a:cs typeface="+mn-cs"/>
+              </a:defRPr>
+            </a:lvl3pPr>
+            <a:lvl4pPr marL="1371600" algn="l" defTabSz="914400" rtl="0" eaLnBrk="1" latinLnBrk="1" hangingPunct="1">
+              <a:defRPr sz="1800" kern="1200">
+                <a:solidFill>
+                  <a:schemeClr val="tx1"/>
+                </a:solidFill>
+                <a:latin typeface="+mn-lt"/>
+                <a:ea typeface="+mn-ea"/>
+                <a:cs typeface="+mn-cs"/>
+              </a:defRPr>
+            </a:lvl4pPr>
+            <a:lvl5pPr marL="1828800" algn="l" defTabSz="914400" rtl="0" eaLnBrk="1" latinLnBrk="1" hangingPunct="1">
+              <a:defRPr sz="1800" kern="1200">
+                <a:solidFill>
+                  <a:schemeClr val="tx1"/>
+                </a:solidFill>
+                <a:latin typeface="+mn-lt"/>
+                <a:ea typeface="+mn-ea"/>
+                <a:cs typeface="+mn-cs"/>
+              </a:defRPr>
+            </a:lvl5pPr>
+            <a:lvl6pPr marL="2286000" algn="l" defTabSz="914400" rtl="0" eaLnBrk="1" latinLnBrk="1" hangingPunct="1">
+              <a:defRPr sz="1800" kern="1200">
+                <a:solidFill>
+                  <a:schemeClr val="tx1"/>
+                </a:solidFill>
+                <a:latin typeface="+mn-lt"/>
+                <a:ea typeface="+mn-ea"/>
+                <a:cs typeface="+mn-cs"/>
+              </a:defRPr>
+            </a:lvl6pPr>
+            <a:lvl7pPr marL="2743200" algn="l" defTabSz="914400" rtl="0" eaLnBrk="1" latinLnBrk="1" hangingPunct="1">
+              <a:defRPr sz="1800" kern="1200">
+                <a:solidFill>
+                  <a:schemeClr val="tx1"/>
+                </a:solidFill>
+                <a:latin typeface="+mn-lt"/>
+                <a:ea typeface="+mn-ea"/>
+                <a:cs typeface="+mn-cs"/>
+              </a:defRPr>
+            </a:lvl7pPr>
+            <a:lvl8pPr marL="3200400" algn="l" defTabSz="914400" rtl="0" eaLnBrk="1" latinLnBrk="1" hangingPunct="1">
+              <a:defRPr sz="1800" kern="1200">
+                <a:solidFill>
+                  <a:schemeClr val="tx1"/>
+                </a:solidFill>
+                <a:latin typeface="+mn-lt"/>
+                <a:ea typeface="+mn-ea"/>
+                <a:cs typeface="+mn-cs"/>
+              </a:defRPr>
+            </a:lvl8pPr>
+            <a:lvl9pPr marL="3657600" algn="l" defTabSz="914400" rtl="0" eaLnBrk="1" latinLnBrk="1" hangingPunct="1">
+              <a:defRPr sz="1800" kern="1200">
+                <a:solidFill>
+                  <a:schemeClr val="tx1"/>
+                </a:solidFill>
+                <a:latin typeface="+mn-lt"/>
+                <a:ea typeface="+mn-ea"/>
+                <a:cs typeface="+mn-cs"/>
+              </a:defRPr>
+            </a:lvl9pPr>
+          </a:lstStyle>
+          <a:p>
+            <a:fld id="{5AA28E66-120B-484F-92DB-562B1AF73FA6}" type="slidenum">
+              <a:rPr lang="ko-KR" altLang="en-US" smtClean="0"/>
+              <a:pPr/>
+              <a:t>14</a:t>
+            </a:fld>
+            <a:endParaRPr lang="ko-KR" altLang="en-US" dirty="0"/>
+          </a:p>
+        </p:txBody>
+      </p:sp>
+      <p:sp>
+        <p:nvSpPr>
+          <p:cNvPr id="5" name="Slide Number Placeholder 1"/>
+          <p:cNvSpPr txBox="1">
+            <a:spLocks/>
+          </p:cNvSpPr>
+          <p:nvPr/>
+        </p:nvSpPr>
+        <p:spPr>
+          <a:xfrm>
+            <a:off x="7594600" y="6579350"/>
+            <a:ext cx="2311400" cy="278650"/>
+          </a:xfrm>
+          <a:prstGeom prst="rect">
+            <a:avLst/>
+          </a:prstGeom>
+        </p:spPr>
+        <p:txBody>
+          <a:bodyPr vert="horz" lIns="91440" tIns="45720" rIns="91440" bIns="45720" rtlCol="0" anchor="ctr"/>
+          <a:lstStyle>
+            <a:defPPr>
+              <a:defRPr lang="ko-KR"/>
+            </a:defPPr>
+            <a:lvl1pPr marL="0" algn="r" defTabSz="914400" rtl="0" eaLnBrk="1" latinLnBrk="1" hangingPunct="1">
+              <a:defRPr sz="1000" kern="1200">
+                <a:solidFill>
+                  <a:srgbClr val="FFFFFF"/>
+                </a:solidFill>
+                <a:latin typeface="+mn-lt"/>
+                <a:ea typeface="+mn-ea"/>
+                <a:cs typeface="+mn-cs"/>
+              </a:defRPr>
+            </a:lvl1pPr>
+            <a:lvl2pPr marL="457200" algn="l" defTabSz="914400" rtl="0" eaLnBrk="1" latinLnBrk="1" hangingPunct="1">
+              <a:defRPr sz="1800" kern="1200">
+                <a:solidFill>
+                  <a:schemeClr val="tx1"/>
+                </a:solidFill>
+                <a:latin typeface="+mn-lt"/>
+                <a:ea typeface="+mn-ea"/>
+                <a:cs typeface="+mn-cs"/>
+              </a:defRPr>
+            </a:lvl2pPr>
+            <a:lvl3pPr marL="914400" algn="l" defTabSz="914400" rtl="0" eaLnBrk="1" latinLnBrk="1" hangingPunct="1">
+              <a:defRPr sz="1800" kern="1200">
+                <a:solidFill>
+                  <a:schemeClr val="tx1"/>
+                </a:solidFill>
+                <a:latin typeface="+mn-lt"/>
+                <a:ea typeface="+mn-ea"/>
+                <a:cs typeface="+mn-cs"/>
+              </a:defRPr>
+            </a:lvl3pPr>
+            <a:lvl4pPr marL="1371600" algn="l" defTabSz="914400" rtl="0" eaLnBrk="1" latinLnBrk="1" hangingPunct="1">
+              <a:defRPr sz="1800" kern="1200">
+                <a:solidFill>
+                  <a:schemeClr val="tx1"/>
+                </a:solidFill>
+                <a:latin typeface="+mn-lt"/>
+                <a:ea typeface="+mn-ea"/>
+                <a:cs typeface="+mn-cs"/>
+              </a:defRPr>
+            </a:lvl4pPr>
+            <a:lvl5pPr marL="1828800" algn="l" defTabSz="914400" rtl="0" eaLnBrk="1" latinLnBrk="1" hangingPunct="1">
+              <a:defRPr sz="1800" kern="1200">
+                <a:solidFill>
+                  <a:schemeClr val="tx1"/>
+                </a:solidFill>
+                <a:latin typeface="+mn-lt"/>
+                <a:ea typeface="+mn-ea"/>
+                <a:cs typeface="+mn-cs"/>
+              </a:defRPr>
+            </a:lvl5pPr>
+            <a:lvl6pPr marL="2286000" algn="l" defTabSz="914400" rtl="0" eaLnBrk="1" latinLnBrk="1" hangingPunct="1">
+              <a:defRPr sz="1800" kern="1200">
+                <a:solidFill>
+                  <a:schemeClr val="tx1"/>
+                </a:solidFill>
+                <a:latin typeface="+mn-lt"/>
+                <a:ea typeface="+mn-ea"/>
+                <a:cs typeface="+mn-cs"/>
+              </a:defRPr>
+            </a:lvl6pPr>
+            <a:lvl7pPr marL="2743200" algn="l" defTabSz="914400" rtl="0" eaLnBrk="1" latinLnBrk="1" hangingPunct="1">
+              <a:defRPr sz="1800" kern="1200">
+                <a:solidFill>
+                  <a:schemeClr val="tx1"/>
+                </a:solidFill>
+                <a:latin typeface="+mn-lt"/>
+                <a:ea typeface="+mn-ea"/>
+                <a:cs typeface="+mn-cs"/>
+              </a:defRPr>
+            </a:lvl7pPr>
+            <a:lvl8pPr marL="3200400" algn="l" defTabSz="914400" rtl="0" eaLnBrk="1" latinLnBrk="1" hangingPunct="1">
+              <a:defRPr sz="1800" kern="1200">
+                <a:solidFill>
+                  <a:schemeClr val="tx1"/>
+                </a:solidFill>
+                <a:latin typeface="+mn-lt"/>
+                <a:ea typeface="+mn-ea"/>
+                <a:cs typeface="+mn-cs"/>
+              </a:defRPr>
+            </a:lvl8pPr>
+            <a:lvl9pPr marL="3657600" algn="l" defTabSz="914400" rtl="0" eaLnBrk="1" latinLnBrk="1" hangingPunct="1">
+              <a:defRPr sz="1800" kern="1200">
+                <a:solidFill>
+                  <a:schemeClr val="tx1"/>
+                </a:solidFill>
+                <a:latin typeface="+mn-lt"/>
+                <a:ea typeface="+mn-ea"/>
+                <a:cs typeface="+mn-cs"/>
+              </a:defRPr>
+            </a:lvl9pPr>
+          </a:lstStyle>
+          <a:p>
+            <a:fld id="{5AA28E66-120B-484F-92DB-562B1AF73FA6}" type="slidenum">
+              <a:rPr lang="ko-KR" altLang="en-US" smtClean="0"/>
+              <a:pPr/>
+              <a:t>14</a:t>
+            </a:fld>
+            <a:endParaRPr lang="ko-KR" altLang="en-US" dirty="0"/>
+          </a:p>
+        </p:txBody>
+      </p:sp>
+      <p:sp>
+        <p:nvSpPr>
+          <p:cNvPr id="6" name="Slide Number Placeholder 1"/>
+          <p:cNvSpPr txBox="1">
+            <a:spLocks/>
+          </p:cNvSpPr>
+          <p:nvPr/>
+        </p:nvSpPr>
+        <p:spPr>
+          <a:xfrm>
+            <a:off x="7594600" y="6579350"/>
+            <a:ext cx="2311400" cy="278650"/>
+          </a:xfrm>
+          <a:prstGeom prst="rect">
+            <a:avLst/>
+          </a:prstGeom>
+        </p:spPr>
+        <p:txBody>
+          <a:bodyPr vert="horz" lIns="91440" tIns="45720" rIns="91440" bIns="45720" rtlCol="0" anchor="ctr"/>
+          <a:lstStyle>
+            <a:defPPr>
+              <a:defRPr lang="ko-KR"/>
+            </a:defPPr>
+            <a:lvl1pPr marL="0" algn="r" defTabSz="914400" rtl="0" eaLnBrk="1" latinLnBrk="1" hangingPunct="1">
+              <a:defRPr sz="1000" kern="1200">
+                <a:solidFill>
+                  <a:srgbClr val="FFFFFF"/>
+                </a:solidFill>
+                <a:latin typeface="+mn-lt"/>
+                <a:ea typeface="+mn-ea"/>
+                <a:cs typeface="+mn-cs"/>
+              </a:defRPr>
+            </a:lvl1pPr>
+            <a:lvl2pPr marL="457200" algn="l" defTabSz="914400" rtl="0" eaLnBrk="1" latinLnBrk="1" hangingPunct="1">
+              <a:defRPr sz="1800" kern="1200">
+                <a:solidFill>
+                  <a:schemeClr val="tx1"/>
+                </a:solidFill>
+                <a:latin typeface="+mn-lt"/>
+                <a:ea typeface="+mn-ea"/>
+                <a:cs typeface="+mn-cs"/>
+              </a:defRPr>
+            </a:lvl2pPr>
+            <a:lvl3pPr marL="914400" algn="l" defTabSz="914400" rtl="0" eaLnBrk="1" latinLnBrk="1" hangingPunct="1">
+              <a:defRPr sz="1800" kern="1200">
+                <a:solidFill>
+                  <a:schemeClr val="tx1"/>
+                </a:solidFill>
+                <a:latin typeface="+mn-lt"/>
+                <a:ea typeface="+mn-ea"/>
+                <a:cs typeface="+mn-cs"/>
+              </a:defRPr>
+            </a:lvl3pPr>
+            <a:lvl4pPr marL="1371600" algn="l" defTabSz="914400" rtl="0" eaLnBrk="1" latinLnBrk="1" hangingPunct="1">
+              <a:defRPr sz="1800" kern="1200">
+                <a:solidFill>
+                  <a:schemeClr val="tx1"/>
+                </a:solidFill>
+                <a:latin typeface="+mn-lt"/>
+                <a:ea typeface="+mn-ea"/>
+                <a:cs typeface="+mn-cs"/>
+              </a:defRPr>
+            </a:lvl4pPr>
+            <a:lvl5pPr marL="1828800" algn="l" defTabSz="914400" rtl="0" eaLnBrk="1" latinLnBrk="1" hangingPunct="1">
+              <a:defRPr sz="1800" kern="1200">
+                <a:solidFill>
+                  <a:schemeClr val="tx1"/>
+                </a:solidFill>
+                <a:latin typeface="+mn-lt"/>
+                <a:ea typeface="+mn-ea"/>
+                <a:cs typeface="+mn-cs"/>
+              </a:defRPr>
+            </a:lvl5pPr>
+            <a:lvl6pPr marL="2286000" algn="l" defTabSz="914400" rtl="0" eaLnBrk="1" latinLnBrk="1" hangingPunct="1">
+              <a:defRPr sz="1800" kern="1200">
+                <a:solidFill>
+                  <a:schemeClr val="tx1"/>
+                </a:solidFill>
+                <a:latin typeface="+mn-lt"/>
+                <a:ea typeface="+mn-ea"/>
+                <a:cs typeface="+mn-cs"/>
+              </a:defRPr>
+            </a:lvl6pPr>
+            <a:lvl7pPr marL="2743200" algn="l" defTabSz="914400" rtl="0" eaLnBrk="1" latinLnBrk="1" hangingPunct="1">
+              <a:defRPr sz="1800" kern="1200">
+                <a:solidFill>
+                  <a:schemeClr val="tx1"/>
+                </a:solidFill>
+                <a:latin typeface="+mn-lt"/>
+                <a:ea typeface="+mn-ea"/>
+                <a:cs typeface="+mn-cs"/>
+              </a:defRPr>
+            </a:lvl7pPr>
+            <a:lvl8pPr marL="3200400" algn="l" defTabSz="914400" rtl="0" eaLnBrk="1" latinLnBrk="1" hangingPunct="1">
+              <a:defRPr sz="1800" kern="1200">
+                <a:solidFill>
+                  <a:schemeClr val="tx1"/>
+                </a:solidFill>
+                <a:latin typeface="+mn-lt"/>
+                <a:ea typeface="+mn-ea"/>
+                <a:cs typeface="+mn-cs"/>
+              </a:defRPr>
+            </a:lvl8pPr>
+            <a:lvl9pPr marL="3657600" algn="l" defTabSz="914400" rtl="0" eaLnBrk="1" latinLnBrk="1" hangingPunct="1">
+              <a:defRPr sz="1800" kern="1200">
+                <a:solidFill>
+                  <a:schemeClr val="tx1"/>
+                </a:solidFill>
+                <a:latin typeface="+mn-lt"/>
+                <a:ea typeface="+mn-ea"/>
+                <a:cs typeface="+mn-cs"/>
+              </a:defRPr>
+            </a:lvl9pPr>
+          </a:lstStyle>
+          <a:p>
+            <a:fld id="{5AA28E66-120B-484F-92DB-562B1AF73FA6}" type="slidenum">
+              <a:rPr lang="ko-KR" altLang="en-US" smtClean="0"/>
+              <a:pPr/>
+              <a:t>14</a:t>
+            </a:fld>
+            <a:endParaRPr lang="ko-KR" altLang="en-US" dirty="0"/>
+          </a:p>
+        </p:txBody>
+      </p:sp>
+      <p:sp>
+        <p:nvSpPr>
+          <p:cNvPr id="7" name="Slide Number Placeholder 1"/>
+          <p:cNvSpPr txBox="1">
+            <a:spLocks/>
+          </p:cNvSpPr>
+          <p:nvPr/>
+        </p:nvSpPr>
+        <p:spPr>
+          <a:xfrm>
+            <a:off x="7594600" y="6579350"/>
+            <a:ext cx="2311400" cy="278650"/>
+          </a:xfrm>
+          <a:prstGeom prst="rect">
+            <a:avLst/>
+          </a:prstGeom>
+        </p:spPr>
+        <p:txBody>
+          <a:bodyPr vert="horz" lIns="91440" tIns="45720" rIns="91440" bIns="45720" rtlCol="0" anchor="ctr"/>
+          <a:lstStyle>
+            <a:defPPr>
+              <a:defRPr lang="ko-KR"/>
+            </a:defPPr>
+            <a:lvl1pPr marL="0" algn="r" defTabSz="914400" rtl="0" eaLnBrk="1" latinLnBrk="1" hangingPunct="1">
+              <a:defRPr sz="1000" kern="1200">
+                <a:solidFill>
+                  <a:srgbClr val="FFFFFF"/>
+                </a:solidFill>
+                <a:latin typeface="+mn-lt"/>
+                <a:ea typeface="+mn-ea"/>
+                <a:cs typeface="+mn-cs"/>
+              </a:defRPr>
+            </a:lvl1pPr>
+            <a:lvl2pPr marL="457200" algn="l" defTabSz="914400" rtl="0" eaLnBrk="1" latinLnBrk="1" hangingPunct="1">
+              <a:defRPr sz="1800" kern="1200">
+                <a:solidFill>
+                  <a:schemeClr val="tx1"/>
+                </a:solidFill>
+                <a:latin typeface="+mn-lt"/>
+                <a:ea typeface="+mn-ea"/>
+                <a:cs typeface="+mn-cs"/>
+              </a:defRPr>
+            </a:lvl2pPr>
+            <a:lvl3pPr marL="914400" algn="l" defTabSz="914400" rtl="0" eaLnBrk="1" latinLnBrk="1" hangingPunct="1">
+              <a:defRPr sz="1800" kern="1200">
+                <a:solidFill>
+                  <a:schemeClr val="tx1"/>
+                </a:solidFill>
+                <a:latin typeface="+mn-lt"/>
+                <a:ea typeface="+mn-ea"/>
+                <a:cs typeface="+mn-cs"/>
+              </a:defRPr>
+            </a:lvl3pPr>
+            <a:lvl4pPr marL="1371600" algn="l" defTabSz="914400" rtl="0" eaLnBrk="1" latinLnBrk="1" hangingPunct="1">
+              <a:defRPr sz="1800" kern="1200">
+                <a:solidFill>
+                  <a:schemeClr val="tx1"/>
+                </a:solidFill>
+                <a:latin typeface="+mn-lt"/>
+                <a:ea typeface="+mn-ea"/>
+                <a:cs typeface="+mn-cs"/>
+              </a:defRPr>
+            </a:lvl4pPr>
+            <a:lvl5pPr marL="1828800" algn="l" defTabSz="914400" rtl="0" eaLnBrk="1" latinLnBrk="1" hangingPunct="1">
+              <a:defRPr sz="1800" kern="1200">
+                <a:solidFill>
+                  <a:schemeClr val="tx1"/>
+                </a:solidFill>
+                <a:latin typeface="+mn-lt"/>
+                <a:ea typeface="+mn-ea"/>
+                <a:cs typeface="+mn-cs"/>
+              </a:defRPr>
+            </a:lvl5pPr>
+            <a:lvl6pPr marL="2286000" algn="l" defTabSz="914400" rtl="0" eaLnBrk="1" latinLnBrk="1" hangingPunct="1">
+              <a:defRPr sz="1800" kern="1200">
+                <a:solidFill>
+                  <a:schemeClr val="tx1"/>
+                </a:solidFill>
+                <a:latin typeface="+mn-lt"/>
+                <a:ea typeface="+mn-ea"/>
+                <a:cs typeface="+mn-cs"/>
+              </a:defRPr>
+            </a:lvl6pPr>
+            <a:lvl7pPr marL="2743200" algn="l" defTabSz="914400" rtl="0" eaLnBrk="1" latinLnBrk="1" hangingPunct="1">
+              <a:defRPr sz="1800" kern="1200">
+                <a:solidFill>
+                  <a:schemeClr val="tx1"/>
+                </a:solidFill>
+                <a:latin typeface="+mn-lt"/>
+                <a:ea typeface="+mn-ea"/>
+                <a:cs typeface="+mn-cs"/>
+              </a:defRPr>
+            </a:lvl7pPr>
+            <a:lvl8pPr marL="3200400" algn="l" defTabSz="914400" rtl="0" eaLnBrk="1" latinLnBrk="1" hangingPunct="1">
+              <a:defRPr sz="1800" kern="1200">
+                <a:solidFill>
+                  <a:schemeClr val="tx1"/>
+                </a:solidFill>
+                <a:latin typeface="+mn-lt"/>
+                <a:ea typeface="+mn-ea"/>
+                <a:cs typeface="+mn-cs"/>
+              </a:defRPr>
+            </a:lvl8pPr>
+            <a:lvl9pPr marL="3657600" algn="l" defTabSz="914400" rtl="0" eaLnBrk="1" latinLnBrk="1" hangingPunct="1">
+              <a:defRPr sz="1800" kern="1200">
+                <a:solidFill>
+                  <a:schemeClr val="tx1"/>
+                </a:solidFill>
+                <a:latin typeface="+mn-lt"/>
+                <a:ea typeface="+mn-ea"/>
+                <a:cs typeface="+mn-cs"/>
+              </a:defRPr>
+            </a:lvl9pPr>
+          </a:lstStyle>
+          <a:p>
+            <a:fld id="{5AA28E66-120B-484F-92DB-562B1AF73FA6}" type="slidenum">
+              <a:rPr lang="ko-KR" altLang="en-US" smtClean="0"/>
+              <a:pPr/>
+              <a:t>14</a:t>
+            </a:fld>
+            <a:endParaRPr lang="ko-KR" altLang="en-US" dirty="0"/>
+          </a:p>
+        </p:txBody>
+      </p:sp>
+      <p:sp>
+        <p:nvSpPr>
+          <p:cNvPr id="8" name="Slide Number Placeholder 1"/>
+          <p:cNvSpPr txBox="1">
+            <a:spLocks/>
+          </p:cNvSpPr>
+          <p:nvPr/>
+        </p:nvSpPr>
+        <p:spPr>
+          <a:xfrm>
+            <a:off x="7594600" y="6579350"/>
+            <a:ext cx="2311400" cy="278650"/>
+          </a:xfrm>
+          <a:prstGeom prst="rect">
+            <a:avLst/>
+          </a:prstGeom>
+        </p:spPr>
+        <p:txBody>
+          <a:bodyPr vert="horz" lIns="91440" tIns="45720" rIns="91440" bIns="45720" rtlCol="0" anchor="ctr"/>
+          <a:lstStyle>
+            <a:defPPr>
+              <a:defRPr lang="ko-KR"/>
+            </a:defPPr>
+            <a:lvl1pPr marL="0" algn="r" defTabSz="914400" rtl="0" eaLnBrk="1" latinLnBrk="1" hangingPunct="1">
+              <a:defRPr sz="1000" kern="1200">
+                <a:solidFill>
+                  <a:srgbClr val="FFFFFF"/>
+                </a:solidFill>
+                <a:latin typeface="+mn-lt"/>
+                <a:ea typeface="+mn-ea"/>
+                <a:cs typeface="+mn-cs"/>
+              </a:defRPr>
+            </a:lvl1pPr>
+            <a:lvl2pPr marL="457200" algn="l" defTabSz="914400" rtl="0" eaLnBrk="1" latinLnBrk="1" hangingPunct="1">
+              <a:defRPr sz="1800" kern="1200">
+                <a:solidFill>
+                  <a:schemeClr val="tx1"/>
+                </a:solidFill>
+                <a:latin typeface="+mn-lt"/>
+                <a:ea typeface="+mn-ea"/>
+                <a:cs typeface="+mn-cs"/>
+              </a:defRPr>
+            </a:lvl2pPr>
+            <a:lvl3pPr marL="914400" algn="l" defTabSz="914400" rtl="0" eaLnBrk="1" latinLnBrk="1" hangingPunct="1">
+              <a:defRPr sz="1800" kern="1200">
+                <a:solidFill>
+                  <a:schemeClr val="tx1"/>
+                </a:solidFill>
+                <a:latin typeface="+mn-lt"/>
+                <a:ea typeface="+mn-ea"/>
+                <a:cs typeface="+mn-cs"/>
+              </a:defRPr>
+            </a:lvl3pPr>
+            <a:lvl4pPr marL="1371600" algn="l" defTabSz="914400" rtl="0" eaLnBrk="1" latinLnBrk="1" hangingPunct="1">
+              <a:defRPr sz="1800" kern="1200">
+                <a:solidFill>
+                  <a:schemeClr val="tx1"/>
+                </a:solidFill>
+                <a:latin typeface="+mn-lt"/>
+                <a:ea typeface="+mn-ea"/>
+                <a:cs typeface="+mn-cs"/>
+              </a:defRPr>
+            </a:lvl4pPr>
+            <a:lvl5pPr marL="1828800" algn="l" defTabSz="914400" rtl="0" eaLnBrk="1" latinLnBrk="1" hangingPunct="1">
+              <a:defRPr sz="1800" kern="1200">
+                <a:solidFill>
+                  <a:schemeClr val="tx1"/>
+                </a:solidFill>
+                <a:latin typeface="+mn-lt"/>
+                <a:ea typeface="+mn-ea"/>
+                <a:cs typeface="+mn-cs"/>
+              </a:defRPr>
+            </a:lvl5pPr>
+            <a:lvl6pPr marL="2286000" algn="l" defTabSz="914400" rtl="0" eaLnBrk="1" latinLnBrk="1" hangingPunct="1">
+              <a:defRPr sz="1800" kern="1200">
+                <a:solidFill>
+                  <a:schemeClr val="tx1"/>
+                </a:solidFill>
+                <a:latin typeface="+mn-lt"/>
+                <a:ea typeface="+mn-ea"/>
+                <a:cs typeface="+mn-cs"/>
+              </a:defRPr>
+            </a:lvl6pPr>
+            <a:lvl7pPr marL="2743200" algn="l" defTabSz="914400" rtl="0" eaLnBrk="1" latinLnBrk="1" hangingPunct="1">
+              <a:defRPr sz="1800" kern="1200">
+                <a:solidFill>
+                  <a:schemeClr val="tx1"/>
+                </a:solidFill>
+                <a:latin typeface="+mn-lt"/>
+                <a:ea typeface="+mn-ea"/>
+                <a:cs typeface="+mn-cs"/>
+              </a:defRPr>
+            </a:lvl7pPr>
+            <a:lvl8pPr marL="3200400" algn="l" defTabSz="914400" rtl="0" eaLnBrk="1" latinLnBrk="1" hangingPunct="1">
+              <a:defRPr sz="1800" kern="1200">
+                <a:solidFill>
+                  <a:schemeClr val="tx1"/>
+                </a:solidFill>
+                <a:latin typeface="+mn-lt"/>
+                <a:ea typeface="+mn-ea"/>
+                <a:cs typeface="+mn-cs"/>
+              </a:defRPr>
+            </a:lvl8pPr>
+            <a:lvl9pPr marL="3657600" algn="l" defTabSz="914400" rtl="0" eaLnBrk="1" latinLnBrk="1" hangingPunct="1">
+              <a:defRPr sz="1800" kern="1200">
+                <a:solidFill>
+                  <a:schemeClr val="tx1"/>
+                </a:solidFill>
+                <a:latin typeface="+mn-lt"/>
+                <a:ea typeface="+mn-ea"/>
+                <a:cs typeface="+mn-cs"/>
+              </a:defRPr>
+            </a:lvl9pPr>
+          </a:lstStyle>
+          <a:p>
+            <a:fld id="{5AA28E66-120B-484F-92DB-562B1AF73FA6}" type="slidenum">
+              <a:rPr lang="ko-KR" altLang="en-US" smtClean="0"/>
+              <a:pPr/>
+              <a:t>14</a:t>
+            </a:fld>
+            <a:endParaRPr lang="ko-KR" altLang="en-US" dirty="0"/>
+          </a:p>
+        </p:txBody>
+      </p:sp>
+      <p:sp>
+        <p:nvSpPr>
+          <p:cNvPr id="9" name="Slide Number Placeholder 1"/>
+          <p:cNvSpPr txBox="1">
+            <a:spLocks/>
+          </p:cNvSpPr>
+          <p:nvPr/>
+        </p:nvSpPr>
+        <p:spPr>
+          <a:xfrm>
+            <a:off x="7594600" y="6579350"/>
+            <a:ext cx="2311400" cy="278650"/>
+          </a:xfrm>
+          <a:prstGeom prst="rect">
+            <a:avLst/>
+          </a:prstGeom>
+        </p:spPr>
+        <p:txBody>
+          <a:bodyPr vert="horz" lIns="91440" tIns="45720" rIns="91440" bIns="45720" rtlCol="0" anchor="ctr"/>
+          <a:lstStyle>
+            <a:defPPr>
+              <a:defRPr lang="ko-KR"/>
+            </a:defPPr>
+            <a:lvl1pPr marL="0" algn="r" defTabSz="914400" rtl="0" eaLnBrk="1" latinLnBrk="1" hangingPunct="1">
+              <a:defRPr sz="1000" kern="1200">
+                <a:solidFill>
+                  <a:srgbClr val="FFFFFF"/>
+                </a:solidFill>
+                <a:latin typeface="+mn-lt"/>
+                <a:ea typeface="+mn-ea"/>
+                <a:cs typeface="+mn-cs"/>
+              </a:defRPr>
+            </a:lvl1pPr>
+            <a:lvl2pPr marL="457200" algn="l" defTabSz="914400" rtl="0" eaLnBrk="1" latinLnBrk="1" hangingPunct="1">
+              <a:defRPr sz="1800" kern="1200">
+                <a:solidFill>
+                  <a:schemeClr val="tx1"/>
+                </a:solidFill>
+                <a:latin typeface="+mn-lt"/>
+                <a:ea typeface="+mn-ea"/>
+                <a:cs typeface="+mn-cs"/>
+              </a:defRPr>
+            </a:lvl2pPr>
+            <a:lvl3pPr marL="914400" algn="l" defTabSz="914400" rtl="0" eaLnBrk="1" latinLnBrk="1" hangingPunct="1">
+              <a:defRPr sz="1800" kern="1200">
+                <a:solidFill>
+                  <a:schemeClr val="tx1"/>
+                </a:solidFill>
+                <a:latin typeface="+mn-lt"/>
+                <a:ea typeface="+mn-ea"/>
+                <a:cs typeface="+mn-cs"/>
+              </a:defRPr>
+            </a:lvl3pPr>
+            <a:lvl4pPr marL="1371600" algn="l" defTabSz="914400" rtl="0" eaLnBrk="1" latinLnBrk="1" hangingPunct="1">
+              <a:defRPr sz="1800" kern="1200">
+                <a:solidFill>
+                  <a:schemeClr val="tx1"/>
+                </a:solidFill>
+                <a:latin typeface="+mn-lt"/>
+                <a:ea typeface="+mn-ea"/>
+                <a:cs typeface="+mn-cs"/>
+              </a:defRPr>
+            </a:lvl4pPr>
+            <a:lvl5pPr marL="1828800" algn="l" defTabSz="914400" rtl="0" eaLnBrk="1" latinLnBrk="1" hangingPunct="1">
+              <a:defRPr sz="1800" kern="1200">
+                <a:solidFill>
+                  <a:schemeClr val="tx1"/>
+                </a:solidFill>
+                <a:latin typeface="+mn-lt"/>
+                <a:ea typeface="+mn-ea"/>
+                <a:cs typeface="+mn-cs"/>
+              </a:defRPr>
+            </a:lvl5pPr>
+            <a:lvl6pPr marL="2286000" algn="l" defTabSz="914400" rtl="0" eaLnBrk="1" latinLnBrk="1" hangingPunct="1">
+              <a:defRPr sz="1800" kern="1200">
+                <a:solidFill>
+                  <a:schemeClr val="tx1"/>
+                </a:solidFill>
+                <a:latin typeface="+mn-lt"/>
+                <a:ea typeface="+mn-ea"/>
+                <a:cs typeface="+mn-cs"/>
+              </a:defRPr>
+            </a:lvl6pPr>
+            <a:lvl7pPr marL="2743200" algn="l" defTabSz="914400" rtl="0" eaLnBrk="1" latinLnBrk="1" hangingPunct="1">
+              <a:defRPr sz="1800" kern="1200">
+                <a:solidFill>
+                  <a:schemeClr val="tx1"/>
+                </a:solidFill>
+                <a:latin typeface="+mn-lt"/>
+                <a:ea typeface="+mn-ea"/>
+                <a:cs typeface="+mn-cs"/>
+              </a:defRPr>
+            </a:lvl7pPr>
+            <a:lvl8pPr marL="3200400" algn="l" defTabSz="914400" rtl="0" eaLnBrk="1" latinLnBrk="1" hangingPunct="1">
+              <a:defRPr sz="1800" kern="1200">
+                <a:solidFill>
+                  <a:schemeClr val="tx1"/>
+                </a:solidFill>
+                <a:latin typeface="+mn-lt"/>
+                <a:ea typeface="+mn-ea"/>
+                <a:cs typeface="+mn-cs"/>
+              </a:defRPr>
+            </a:lvl8pPr>
+            <a:lvl9pPr marL="3657600" algn="l" defTabSz="914400" rtl="0" eaLnBrk="1" latinLnBrk="1" hangingPunct="1">
+              <a:defRPr sz="1800" kern="1200">
+                <a:solidFill>
+                  <a:schemeClr val="tx1"/>
+                </a:solidFill>
+                <a:latin typeface="+mn-lt"/>
+                <a:ea typeface="+mn-ea"/>
+                <a:cs typeface="+mn-cs"/>
+              </a:defRPr>
+            </a:lvl9pPr>
+          </a:lstStyle>
+          <a:p>
+            <a:fld id="{5AA28E66-120B-484F-92DB-562B1AF73FA6}" type="slidenum">
+              <a:rPr lang="ko-KR" altLang="en-US" smtClean="0"/>
+              <a:pPr/>
+              <a:t>14</a:t>
+            </a:fld>
+            <a:endParaRPr lang="ko-KR" altLang="en-US" dirty="0"/>
+          </a:p>
+        </p:txBody>
+      </p:sp>
+      <p:sp>
+        <p:nvSpPr>
           <p:cNvPr id="10" name="Rectangle 38"/>
           <p:cNvSpPr txBox="1">
             <a:spLocks noChangeArrowheads="1"/>
@@ -5199,9 +6533,6 @@
               </a:rPr>
               <a:t>^^</a:t>
             </a:r>
-            <a:endParaRPr lang="en-US" altLang="ko-KR" sz="2000" dirty="0" smtClean="0">
-              <a:ea typeface="돋움" pitchFamily="50" charset="-127"/>
-            </a:endParaRPr>
           </a:p>
           <a:p>
             <a:pPr marL="800100" lvl="1" indent="-342900" defTabSz="914296" fontAlgn="base">
@@ -5327,7 +6658,7 @@
 </p:sld>
 </file>
 
-<file path=ppt/slides/slide14.xml><?xml version="1.0" encoding="utf-8"?>
+<file path=ppt/slides/slide15.xml><?xml version="1.0" encoding="utf-8"?>
 <p:sld xmlns:a="http://schemas.openxmlformats.org/drawingml/2006/main" xmlns:r="http://schemas.openxmlformats.org/officeDocument/2006/relationships" xmlns:p="http://schemas.openxmlformats.org/presentationml/2006/main">
   <p:cSld>
     <p:spTree>
@@ -5362,7 +6693,7 @@
             <a:fld id="{5AA28E66-120B-484F-92DB-562B1AF73FA6}" type="slidenum">
               <a:rPr lang="ko-KR" altLang="en-US" smtClean="0"/>
               <a:pPr/>
-              <a:t>14</a:t>
+              <a:t>15</a:t>
             </a:fld>
             <a:endParaRPr lang="ko-KR" altLang="en-US" dirty="0"/>
           </a:p>
@@ -5486,7 +6817,7 @@
             <a:fld id="{5AA28E66-120B-484F-92DB-562B1AF73FA6}" type="slidenum">
               <a:rPr lang="ko-KR" altLang="en-US" smtClean="0"/>
               <a:pPr/>
-              <a:t>14</a:t>
+              <a:t>15</a:t>
             </a:fld>
             <a:endParaRPr lang="ko-KR" altLang="en-US" dirty="0"/>
           </a:p>
@@ -5610,7 +6941,7 @@
             <a:fld id="{5AA28E66-120B-484F-92DB-562B1AF73FA6}" type="slidenum">
               <a:rPr lang="ko-KR" altLang="en-US" smtClean="0"/>
               <a:pPr/>
-              <a:t>14</a:t>
+              <a:t>15</a:t>
             </a:fld>
             <a:endParaRPr lang="ko-KR" altLang="en-US" dirty="0"/>
           </a:p>
@@ -5734,7 +7065,7 @@
             <a:fld id="{5AA28E66-120B-484F-92DB-562B1AF73FA6}" type="slidenum">
               <a:rPr lang="ko-KR" altLang="en-US" smtClean="0"/>
               <a:pPr/>
-              <a:t>14</a:t>
+              <a:t>15</a:t>
             </a:fld>
             <a:endParaRPr lang="ko-KR" altLang="en-US" dirty="0"/>
           </a:p>
@@ -5858,7 +7189,7 @@
             <a:fld id="{5AA28E66-120B-484F-92DB-562B1AF73FA6}" type="slidenum">
               <a:rPr lang="ko-KR" altLang="en-US" smtClean="0"/>
               <a:pPr/>
-              <a:t>14</a:t>
+              <a:t>15</a:t>
             </a:fld>
             <a:endParaRPr lang="ko-KR" altLang="en-US" dirty="0"/>
           </a:p>
@@ -5982,7 +7313,7 @@
             <a:fld id="{5AA28E66-120B-484F-92DB-562B1AF73FA6}" type="slidenum">
               <a:rPr lang="ko-KR" altLang="en-US" smtClean="0"/>
               <a:pPr/>
-              <a:t>14</a:t>
+              <a:t>15</a:t>
             </a:fld>
             <a:endParaRPr lang="ko-KR" altLang="en-US" dirty="0"/>
           </a:p>
@@ -6106,7 +7437,7 @@
             <a:fld id="{5AA28E66-120B-484F-92DB-562B1AF73FA6}" type="slidenum">
               <a:rPr lang="ko-KR" altLang="en-US" smtClean="0"/>
               <a:pPr/>
-              <a:t>14</a:t>
+              <a:t>15</a:t>
             </a:fld>
             <a:endParaRPr lang="ko-KR" altLang="en-US" dirty="0"/>
           </a:p>
@@ -6230,7 +7561,7 @@
             <a:fld id="{5AA28E66-120B-484F-92DB-562B1AF73FA6}" type="slidenum">
               <a:rPr lang="ko-KR" altLang="en-US" smtClean="0"/>
               <a:pPr/>
-              <a:t>14</a:t>
+              <a:t>15</a:t>
             </a:fld>
             <a:endParaRPr lang="ko-KR" altLang="en-US" dirty="0"/>
           </a:p>
@@ -6354,7 +7685,7 @@
             <a:fld id="{5AA28E66-120B-484F-92DB-562B1AF73FA6}" type="slidenum">
               <a:rPr lang="ko-KR" altLang="en-US" smtClean="0"/>
               <a:pPr/>
-              <a:t>14</a:t>
+              <a:t>15</a:t>
             </a:fld>
             <a:endParaRPr lang="ko-KR" altLang="en-US" dirty="0"/>
           </a:p>
@@ -6478,7 +7809,7 @@
             <a:fld id="{5AA28E66-120B-484F-92DB-562B1AF73FA6}" type="slidenum">
               <a:rPr lang="ko-KR" altLang="en-US" smtClean="0"/>
               <a:pPr/>
-              <a:t>14</a:t>
+              <a:t>15</a:t>
             </a:fld>
             <a:endParaRPr lang="ko-KR" altLang="en-US" dirty="0"/>
           </a:p>
@@ -6602,7 +7933,7 @@
             <a:fld id="{5AA28E66-120B-484F-92DB-562B1AF73FA6}" type="slidenum">
               <a:rPr lang="ko-KR" altLang="en-US" smtClean="0"/>
               <a:pPr/>
-              <a:t>14</a:t>
+              <a:t>15</a:t>
             </a:fld>
             <a:endParaRPr lang="ko-KR" altLang="en-US" dirty="0"/>
           </a:p>
@@ -6726,7 +8057,7 @@
             <a:fld id="{5AA28E66-120B-484F-92DB-562B1AF73FA6}" type="slidenum">
               <a:rPr lang="ko-KR" altLang="en-US" smtClean="0"/>
               <a:pPr/>
-              <a:t>14</a:t>
+              <a:t>15</a:t>
             </a:fld>
             <a:endParaRPr lang="ko-KR" altLang="en-US" dirty="0"/>
           </a:p>
@@ -6850,7 +8181,7 @@
             <a:fld id="{5AA28E66-120B-484F-92DB-562B1AF73FA6}" type="slidenum">
               <a:rPr lang="ko-KR" altLang="en-US" smtClean="0"/>
               <a:pPr/>
-              <a:t>14</a:t>
+              <a:t>15</a:t>
             </a:fld>
             <a:endParaRPr lang="ko-KR" altLang="en-US" dirty="0"/>
           </a:p>
@@ -6974,7 +8305,7 @@
             <a:fld id="{5AA28E66-120B-484F-92DB-562B1AF73FA6}" type="slidenum">
               <a:rPr lang="ko-KR" altLang="en-US" smtClean="0"/>
               <a:pPr/>
-              <a:t>14</a:t>
+              <a:t>15</a:t>
             </a:fld>
             <a:endParaRPr lang="ko-KR" altLang="en-US" dirty="0"/>
           </a:p>
@@ -8496,13 +9827,31 @@
               <a:t>, </a:t>
             </a:r>
             <a:r>
-              <a:rPr lang="ko-KR" altLang="en-US" sz="2000" dirty="0">
+              <a:rPr lang="ko-KR" altLang="en-US" sz="2000" dirty="0" smtClean="0">
                 <a:ea typeface="돋움" pitchFamily="50" charset="-127"/>
               </a:rPr>
               <a:t>맥</a:t>
             </a:r>
             <a:r>
-              <a:rPr lang="en-US" altLang="ko-KR" sz="2000" dirty="0">
+              <a:rPr lang="en-US" altLang="ko-KR" sz="2000" dirty="0" smtClean="0">
+                <a:ea typeface="돋움" pitchFamily="50" charset="-127"/>
+              </a:rPr>
+              <a:t>,</a:t>
+            </a:r>
+            <a:r>
+              <a:rPr lang="ko-KR" altLang="en-US" sz="2000" dirty="0" smtClean="0">
+                <a:ea typeface="돋움" pitchFamily="50" charset="-127"/>
+              </a:rPr>
+              <a:t> </a:t>
+            </a:r>
+            <a:r>
+              <a:rPr lang="ko-KR" altLang="en-US" sz="2000" dirty="0" smtClean="0">
+                <a:ea typeface="돋움" pitchFamily="50" charset="-127"/>
+              </a:rPr>
+              <a:t>모바일</a:t>
+            </a:r>
+            <a:r>
+              <a:rPr lang="en-US" altLang="ko-KR" sz="2000" dirty="0" smtClean="0">
                 <a:ea typeface="돋움" pitchFamily="50" charset="-127"/>
               </a:rPr>
               <a:t>) </a:t>
@@ -9834,19 +11183,7 @@
               <a:rPr lang="ko-KR" altLang="en-US" sz="2000" dirty="0" smtClean="0">
                 <a:ea typeface="돋움" pitchFamily="50" charset="-127"/>
               </a:rPr>
-              <a:t>파일</a:t>
-            </a:r>
-            <a:r>
-              <a:rPr lang="ko-KR" altLang="en-US" sz="2000" dirty="0" smtClean="0">
-                <a:ea typeface="돋움" pitchFamily="50" charset="-127"/>
-              </a:rPr>
-              <a:t>을</a:t>
-            </a:r>
-            <a:r>
-              <a:rPr lang="ko-KR" altLang="en-US" sz="2000" dirty="0" smtClean="0">
-                <a:ea typeface="돋움" pitchFamily="50" charset="-127"/>
-              </a:rPr>
-              <a:t> </a:t>
+              <a:t>파일을 </a:t>
             </a:r>
             <a:r>
               <a:rPr lang="ko-KR" altLang="en-US" sz="2000" dirty="0">

--- a/Document/[2015.02.11] Java Study 0차.pptx
+++ b/Document/[2015.02.11] Java Study 0차.pptx
@@ -5,7 +5,7 @@
     <p:sldMasterId id="2147483648" r:id="rId1"/>
   </p:sldMasterIdLst>
   <p:notesMasterIdLst>
-    <p:notesMasterId r:id="rId17"/>
+    <p:notesMasterId r:id="rId18"/>
   </p:notesMasterIdLst>
   <p:sldIdLst>
     <p:sldId id="256" r:id="rId2"/>
@@ -20,9 +20,10 @@
     <p:sldId id="353" r:id="rId11"/>
     <p:sldId id="354" r:id="rId12"/>
     <p:sldId id="355" r:id="rId13"/>
-    <p:sldId id="357" r:id="rId14"/>
-    <p:sldId id="356" r:id="rId15"/>
-    <p:sldId id="348" r:id="rId16"/>
+    <p:sldId id="358" r:id="rId14"/>
+    <p:sldId id="357" r:id="rId15"/>
+    <p:sldId id="356" r:id="rId16"/>
+    <p:sldId id="348" r:id="rId17"/>
   </p:sldIdLst>
   <p:sldSz cx="9906000" cy="6858000" type="A4"/>
   <p:notesSz cx="6858000" cy="9144000"/>
@@ -5059,6 +5060,1754 @@
       </p:sp>
       <p:sp>
         <p:nvSpPr>
+          <p:cNvPr id="11" name="Slide Number Placeholder 1"/>
+          <p:cNvSpPr txBox="1">
+            <a:spLocks/>
+          </p:cNvSpPr>
+          <p:nvPr/>
+        </p:nvSpPr>
+        <p:spPr>
+          <a:xfrm>
+            <a:off x="7594600" y="6579350"/>
+            <a:ext cx="2311400" cy="278650"/>
+          </a:xfrm>
+          <a:prstGeom prst="rect">
+            <a:avLst/>
+          </a:prstGeom>
+        </p:spPr>
+        <p:txBody>
+          <a:bodyPr vert="horz" lIns="91440" tIns="45720" rIns="91440" bIns="45720" rtlCol="0" anchor="ctr"/>
+          <a:lstStyle>
+            <a:defPPr>
+              <a:defRPr lang="ko-KR"/>
+            </a:defPPr>
+            <a:lvl1pPr marL="0" algn="r" defTabSz="914400" rtl="0" eaLnBrk="1" latinLnBrk="1" hangingPunct="1">
+              <a:defRPr sz="1000" kern="1200">
+                <a:solidFill>
+                  <a:srgbClr val="FFFFFF"/>
+                </a:solidFill>
+                <a:latin typeface="+mn-lt"/>
+                <a:ea typeface="+mn-ea"/>
+                <a:cs typeface="+mn-cs"/>
+              </a:defRPr>
+            </a:lvl1pPr>
+            <a:lvl2pPr marL="457200" algn="l" defTabSz="914400" rtl="0" eaLnBrk="1" latinLnBrk="1" hangingPunct="1">
+              <a:defRPr sz="1800" kern="1200">
+                <a:solidFill>
+                  <a:schemeClr val="tx1"/>
+                </a:solidFill>
+                <a:latin typeface="+mn-lt"/>
+                <a:ea typeface="+mn-ea"/>
+                <a:cs typeface="+mn-cs"/>
+              </a:defRPr>
+            </a:lvl2pPr>
+            <a:lvl3pPr marL="914400" algn="l" defTabSz="914400" rtl="0" eaLnBrk="1" latinLnBrk="1" hangingPunct="1">
+              <a:defRPr sz="1800" kern="1200">
+                <a:solidFill>
+                  <a:schemeClr val="tx1"/>
+                </a:solidFill>
+                <a:latin typeface="+mn-lt"/>
+                <a:ea typeface="+mn-ea"/>
+                <a:cs typeface="+mn-cs"/>
+              </a:defRPr>
+            </a:lvl3pPr>
+            <a:lvl4pPr marL="1371600" algn="l" defTabSz="914400" rtl="0" eaLnBrk="1" latinLnBrk="1" hangingPunct="1">
+              <a:defRPr sz="1800" kern="1200">
+                <a:solidFill>
+                  <a:schemeClr val="tx1"/>
+                </a:solidFill>
+                <a:latin typeface="+mn-lt"/>
+                <a:ea typeface="+mn-ea"/>
+                <a:cs typeface="+mn-cs"/>
+              </a:defRPr>
+            </a:lvl4pPr>
+            <a:lvl5pPr marL="1828800" algn="l" defTabSz="914400" rtl="0" eaLnBrk="1" latinLnBrk="1" hangingPunct="1">
+              <a:defRPr sz="1800" kern="1200">
+                <a:solidFill>
+                  <a:schemeClr val="tx1"/>
+                </a:solidFill>
+                <a:latin typeface="+mn-lt"/>
+                <a:ea typeface="+mn-ea"/>
+                <a:cs typeface="+mn-cs"/>
+              </a:defRPr>
+            </a:lvl5pPr>
+            <a:lvl6pPr marL="2286000" algn="l" defTabSz="914400" rtl="0" eaLnBrk="1" latinLnBrk="1" hangingPunct="1">
+              <a:defRPr sz="1800" kern="1200">
+                <a:solidFill>
+                  <a:schemeClr val="tx1"/>
+                </a:solidFill>
+                <a:latin typeface="+mn-lt"/>
+                <a:ea typeface="+mn-ea"/>
+                <a:cs typeface="+mn-cs"/>
+              </a:defRPr>
+            </a:lvl6pPr>
+            <a:lvl7pPr marL="2743200" algn="l" defTabSz="914400" rtl="0" eaLnBrk="1" latinLnBrk="1" hangingPunct="1">
+              <a:defRPr sz="1800" kern="1200">
+                <a:solidFill>
+                  <a:schemeClr val="tx1"/>
+                </a:solidFill>
+                <a:latin typeface="+mn-lt"/>
+                <a:ea typeface="+mn-ea"/>
+                <a:cs typeface="+mn-cs"/>
+              </a:defRPr>
+            </a:lvl7pPr>
+            <a:lvl8pPr marL="3200400" algn="l" defTabSz="914400" rtl="0" eaLnBrk="1" latinLnBrk="1" hangingPunct="1">
+              <a:defRPr sz="1800" kern="1200">
+                <a:solidFill>
+                  <a:schemeClr val="tx1"/>
+                </a:solidFill>
+                <a:latin typeface="+mn-lt"/>
+                <a:ea typeface="+mn-ea"/>
+                <a:cs typeface="+mn-cs"/>
+              </a:defRPr>
+            </a:lvl8pPr>
+            <a:lvl9pPr marL="3657600" algn="l" defTabSz="914400" rtl="0" eaLnBrk="1" latinLnBrk="1" hangingPunct="1">
+              <a:defRPr sz="1800" kern="1200">
+                <a:solidFill>
+                  <a:schemeClr val="tx1"/>
+                </a:solidFill>
+                <a:latin typeface="+mn-lt"/>
+                <a:ea typeface="+mn-ea"/>
+                <a:cs typeface="+mn-cs"/>
+              </a:defRPr>
+            </a:lvl9pPr>
+          </a:lstStyle>
+          <a:p>
+            <a:fld id="{5AA28E66-120B-484F-92DB-562B1AF73FA6}" type="slidenum">
+              <a:rPr lang="ko-KR" altLang="en-US" smtClean="0"/>
+              <a:pPr/>
+              <a:t>13</a:t>
+            </a:fld>
+            <a:endParaRPr lang="ko-KR" altLang="en-US" dirty="0"/>
+          </a:p>
+        </p:txBody>
+      </p:sp>
+      <p:sp>
+        <p:nvSpPr>
+          <p:cNvPr id="12" name="Rectangle 38"/>
+          <p:cNvSpPr txBox="1">
+            <a:spLocks noChangeArrowheads="1"/>
+          </p:cNvSpPr>
+          <p:nvPr/>
+        </p:nvSpPr>
+        <p:spPr bwMode="auto">
+          <a:xfrm>
+            <a:off x="1" y="683695"/>
+            <a:ext cx="9905999" cy="5895655"/>
+          </a:xfrm>
+          <a:prstGeom prst="rect">
+            <a:avLst/>
+          </a:prstGeom>
+          <a:noFill/>
+          <a:ln w="9525">
+            <a:noFill/>
+            <a:miter lim="800000"/>
+            <a:headEnd/>
+            <a:tailEnd/>
+          </a:ln>
+          <a:effectLst/>
+        </p:spPr>
+        <p:txBody>
+          <a:bodyPr vert="horz" wrap="square" lIns="91440" tIns="45720" rIns="91440" bIns="45720" numCol="1" anchor="t" anchorCtr="0" compatLnSpc="1">
+            <a:prstTxWarp prst="textNoShape">
+              <a:avLst/>
+            </a:prstTxWarp>
+          </a:bodyPr>
+          <a:lstStyle/>
+          <a:p>
+            <a:pPr lvl="1" defTabSz="914296" fontAlgn="base">
+              <a:spcBef>
+                <a:spcPct val="0"/>
+              </a:spcBef>
+              <a:spcAft>
+                <a:spcPct val="0"/>
+              </a:spcAft>
+              <a:defRPr/>
+            </a:pPr>
+            <a:endParaRPr lang="en-US" altLang="ko-KR" sz="2000" dirty="0" smtClean="0">
+              <a:ea typeface="돋움" pitchFamily="50" charset="-127"/>
+            </a:endParaRPr>
+          </a:p>
+          <a:p>
+            <a:pPr lvl="1" defTabSz="914296" fontAlgn="base">
+              <a:spcBef>
+                <a:spcPct val="0"/>
+              </a:spcBef>
+              <a:spcAft>
+                <a:spcPct val="0"/>
+              </a:spcAft>
+              <a:defRPr/>
+            </a:pPr>
+            <a:r>
+              <a:rPr lang="en-US" sz="3000" dirty="0" err="1"/>
+              <a:t>SourceTree</a:t>
+            </a:r>
+            <a:r>
+              <a:rPr lang="en-US" sz="3000" dirty="0"/>
+              <a:t> </a:t>
+            </a:r>
+            <a:r>
+              <a:rPr lang="en-US" sz="3000" dirty="0" err="1"/>
+              <a:t>Git</a:t>
+            </a:r>
+            <a:r>
+              <a:rPr lang="en-US" sz="3000" dirty="0"/>
+              <a:t> </a:t>
+            </a:r>
+            <a:r>
+              <a:rPr lang="ko-KR" altLang="en-US" sz="3000" dirty="0" smtClean="0"/>
+              <a:t>기본 환경설정</a:t>
+            </a:r>
+            <a:endParaRPr lang="en-US" sz="3000" dirty="0" smtClean="0"/>
+          </a:p>
+          <a:p>
+            <a:pPr lvl="1" defTabSz="914296" fontAlgn="base">
+              <a:spcBef>
+                <a:spcPct val="0"/>
+              </a:spcBef>
+              <a:spcAft>
+                <a:spcPct val="0"/>
+              </a:spcAft>
+              <a:defRPr/>
+            </a:pPr>
+            <a:endParaRPr lang="en-US" altLang="ko-KR" sz="2000" dirty="0" smtClean="0">
+              <a:ea typeface="돋움" pitchFamily="50" charset="-127"/>
+            </a:endParaRPr>
+          </a:p>
+          <a:p>
+            <a:pPr marL="800100" lvl="1" indent="-342900" defTabSz="914296" fontAlgn="base">
+              <a:spcBef>
+                <a:spcPct val="0"/>
+              </a:spcBef>
+              <a:spcAft>
+                <a:spcPct val="0"/>
+              </a:spcAft>
+              <a:buFont typeface="Wingdings" charset="2"/>
+              <a:buChar char="§"/>
+              <a:defRPr/>
+            </a:pPr>
+            <a:r>
+              <a:rPr lang="en-US" altLang="ko-KR" sz="2000" dirty="0" err="1" smtClean="0">
+                <a:ea typeface="돋움" pitchFamily="50" charset="-127"/>
+              </a:rPr>
+              <a:t>SourceTree</a:t>
+            </a:r>
+            <a:r>
+              <a:rPr lang="en-US" altLang="ko-KR" sz="2000" dirty="0" smtClean="0">
+                <a:ea typeface="돋움" pitchFamily="50" charset="-127"/>
+              </a:rPr>
+              <a:t> </a:t>
+            </a:r>
+            <a:r>
+              <a:rPr lang="ko-KR" altLang="en-US" sz="2000" dirty="0" smtClean="0">
+                <a:ea typeface="돋움" pitchFamily="50" charset="-127"/>
+              </a:rPr>
+              <a:t>상단 메뉴중 </a:t>
+            </a:r>
+            <a:r>
+              <a:rPr lang="ko-KR" altLang="en-US" sz="2000" dirty="0" smtClean="0">
+                <a:ea typeface="돋움" pitchFamily="50" charset="-127"/>
+              </a:rPr>
+              <a:t>터미널을 클릭 </a:t>
+            </a:r>
+            <a:r>
+              <a:rPr lang="en-US" altLang="ko-KR" sz="2000" dirty="0" smtClean="0">
+                <a:ea typeface="돋움" pitchFamily="50" charset="-127"/>
+              </a:rPr>
+              <a:t>&gt;</a:t>
+            </a:r>
+            <a:r>
+              <a:rPr lang="ko-KR" altLang="en-US" sz="2000" dirty="0" smtClean="0">
+                <a:ea typeface="돋움" pitchFamily="50" charset="-127"/>
+              </a:rPr>
+              <a:t>  아래 설정 입력</a:t>
+            </a:r>
+            <a:endParaRPr lang="en-US" altLang="ko-KR" sz="2000" dirty="0" smtClean="0">
+              <a:ea typeface="돋움" pitchFamily="50" charset="-127"/>
+            </a:endParaRPr>
+          </a:p>
+          <a:p>
+            <a:pPr marL="800100" lvl="1" indent="-342900" defTabSz="914296" fontAlgn="base">
+              <a:spcBef>
+                <a:spcPct val="0"/>
+              </a:spcBef>
+              <a:spcAft>
+                <a:spcPct val="0"/>
+              </a:spcAft>
+              <a:buFont typeface="Wingdings" charset="2"/>
+              <a:buChar char="§"/>
+              <a:defRPr/>
+            </a:pPr>
+            <a:endParaRPr lang="en-US" altLang="ko-KR" sz="2000" dirty="0">
+              <a:ea typeface="돋움" pitchFamily="50" charset="-127"/>
+            </a:endParaRPr>
+          </a:p>
+          <a:p>
+            <a:pPr marL="800100" lvl="1" indent="-342900" defTabSz="914296" fontAlgn="base">
+              <a:spcBef>
+                <a:spcPct val="0"/>
+              </a:spcBef>
+              <a:spcAft>
+                <a:spcPct val="0"/>
+              </a:spcAft>
+              <a:buFont typeface="Wingdings" charset="2"/>
+              <a:buChar char="§"/>
+              <a:defRPr/>
+            </a:pPr>
+            <a:endParaRPr lang="en-US" altLang="ko-KR" sz="2000" dirty="0" smtClean="0">
+              <a:ea typeface="돋움" pitchFamily="50" charset="-127"/>
+            </a:endParaRPr>
+          </a:p>
+          <a:p>
+            <a:pPr lvl="3" defTabSz="914296" fontAlgn="base">
+              <a:spcBef>
+                <a:spcPct val="0"/>
+              </a:spcBef>
+              <a:spcAft>
+                <a:spcPct val="0"/>
+              </a:spcAft>
+              <a:defRPr/>
+            </a:pPr>
+            <a:r>
+              <a:rPr lang="en-US" altLang="ko-KR" sz="2000" dirty="0" err="1">
+                <a:ea typeface="돋움" pitchFamily="50" charset="-127"/>
+              </a:rPr>
+              <a:t>git</a:t>
+            </a:r>
+            <a:r>
+              <a:rPr lang="en-US" altLang="ko-KR" sz="2000" dirty="0">
+                <a:ea typeface="돋움" pitchFamily="50" charset="-127"/>
+              </a:rPr>
+              <a:t> </a:t>
+            </a:r>
+            <a:r>
+              <a:rPr lang="en-US" altLang="ko-KR" sz="2000" dirty="0" err="1">
+                <a:ea typeface="돋움" pitchFamily="50" charset="-127"/>
+              </a:rPr>
+              <a:t>config</a:t>
+            </a:r>
+            <a:r>
+              <a:rPr lang="en-US" altLang="ko-KR" sz="2000" dirty="0">
+                <a:ea typeface="돋움" pitchFamily="50" charset="-127"/>
+              </a:rPr>
+              <a:t> --global </a:t>
+            </a:r>
+            <a:r>
+              <a:rPr lang="en-US" altLang="ko-KR" sz="2000" dirty="0" err="1">
+                <a:ea typeface="돋움" pitchFamily="50" charset="-127"/>
+              </a:rPr>
+              <a:t>user.email</a:t>
+            </a:r>
+            <a:r>
+              <a:rPr lang="en-US" altLang="ko-KR" sz="2000" dirty="0">
+                <a:ea typeface="돋움" pitchFamily="50" charset="-127"/>
+              </a:rPr>
+              <a:t> "</a:t>
+            </a:r>
+            <a:r>
+              <a:rPr lang="en-US" altLang="ko-KR" sz="2000" dirty="0" err="1">
+                <a:ea typeface="돋움" pitchFamily="50" charset="-127"/>
+              </a:rPr>
+              <a:t>your@email.com</a:t>
+            </a:r>
+            <a:r>
+              <a:rPr lang="en-US" altLang="ko-KR" sz="2000" dirty="0">
+                <a:ea typeface="돋움" pitchFamily="50" charset="-127"/>
+              </a:rPr>
+              <a:t>"</a:t>
+            </a:r>
+          </a:p>
+          <a:p>
+            <a:pPr lvl="3" defTabSz="914296" fontAlgn="base">
+              <a:spcBef>
+                <a:spcPct val="0"/>
+              </a:spcBef>
+              <a:spcAft>
+                <a:spcPct val="0"/>
+              </a:spcAft>
+              <a:defRPr/>
+            </a:pPr>
+            <a:r>
+              <a:rPr lang="en-US" altLang="ko-KR" sz="2000" dirty="0" err="1">
+                <a:ea typeface="돋움" pitchFamily="50" charset="-127"/>
+              </a:rPr>
+              <a:t>git</a:t>
+            </a:r>
+            <a:r>
+              <a:rPr lang="en-US" altLang="ko-KR" sz="2000" dirty="0">
+                <a:ea typeface="돋움" pitchFamily="50" charset="-127"/>
+              </a:rPr>
+              <a:t> </a:t>
+            </a:r>
+            <a:r>
+              <a:rPr lang="en-US" altLang="ko-KR" sz="2000" dirty="0" err="1">
+                <a:ea typeface="돋움" pitchFamily="50" charset="-127"/>
+              </a:rPr>
+              <a:t>config</a:t>
+            </a:r>
+            <a:r>
+              <a:rPr lang="en-US" altLang="ko-KR" sz="2000" dirty="0">
+                <a:ea typeface="돋움" pitchFamily="50" charset="-127"/>
+              </a:rPr>
+              <a:t> --global </a:t>
+            </a:r>
+            <a:r>
+              <a:rPr lang="en-US" altLang="ko-KR" sz="2000" dirty="0" err="1">
+                <a:ea typeface="돋움" pitchFamily="50" charset="-127"/>
+              </a:rPr>
+              <a:t>user.name</a:t>
+            </a:r>
+            <a:r>
+              <a:rPr lang="en-US" altLang="ko-KR" sz="2000" dirty="0">
+                <a:ea typeface="돋움" pitchFamily="50" charset="-127"/>
+              </a:rPr>
+              <a:t> "</a:t>
+            </a:r>
+            <a:r>
+              <a:rPr lang="ko-KR" altLang="en-US" sz="2000" dirty="0">
+                <a:ea typeface="돋움" pitchFamily="50" charset="-127"/>
+              </a:rPr>
+              <a:t>사용자명</a:t>
+            </a:r>
+            <a:r>
+              <a:rPr lang="en-US" altLang="ko-KR" sz="2000" dirty="0">
+                <a:ea typeface="돋움" pitchFamily="50" charset="-127"/>
+              </a:rPr>
+              <a:t>"</a:t>
+            </a:r>
+          </a:p>
+          <a:p>
+            <a:pPr lvl="3" defTabSz="914296" fontAlgn="base">
+              <a:spcBef>
+                <a:spcPct val="0"/>
+              </a:spcBef>
+              <a:spcAft>
+                <a:spcPct val="0"/>
+              </a:spcAft>
+              <a:defRPr/>
+            </a:pPr>
+            <a:r>
+              <a:rPr lang="en-US" altLang="ko-KR" sz="2000" dirty="0">
+                <a:ea typeface="돋움" pitchFamily="50" charset="-127"/>
+              </a:rPr>
+              <a:t> </a:t>
+            </a:r>
+          </a:p>
+          <a:p>
+            <a:pPr lvl="3" defTabSz="914296" fontAlgn="base">
+              <a:spcBef>
+                <a:spcPct val="0"/>
+              </a:spcBef>
+              <a:spcAft>
+                <a:spcPct val="0"/>
+              </a:spcAft>
+              <a:defRPr/>
+            </a:pPr>
+            <a:r>
+              <a:rPr lang="en-US" altLang="ko-KR" sz="2000" dirty="0">
+                <a:ea typeface="돋움" pitchFamily="50" charset="-127"/>
+              </a:rPr>
+              <a:t># Windows</a:t>
+            </a:r>
+            <a:r>
+              <a:rPr lang="ko-KR" altLang="en-US" sz="2000" dirty="0">
+                <a:ea typeface="돋움" pitchFamily="50" charset="-127"/>
+              </a:rPr>
+              <a:t>에서 파일 모드 변경으로 인한 </a:t>
+            </a:r>
+            <a:r>
+              <a:rPr lang="en-US" altLang="ko-KR" sz="2000" dirty="0">
+                <a:ea typeface="돋움" pitchFamily="50" charset="-127"/>
+              </a:rPr>
+              <a:t>Update </a:t>
+            </a:r>
+            <a:r>
+              <a:rPr lang="ko-KR" altLang="en-US" sz="2000" dirty="0">
+                <a:ea typeface="돋움" pitchFamily="50" charset="-127"/>
+              </a:rPr>
+              <a:t>방지</a:t>
+            </a:r>
+          </a:p>
+          <a:p>
+            <a:pPr lvl="3" defTabSz="914296" fontAlgn="base">
+              <a:spcBef>
+                <a:spcPct val="0"/>
+              </a:spcBef>
+              <a:spcAft>
+                <a:spcPct val="0"/>
+              </a:spcAft>
+              <a:defRPr/>
+            </a:pPr>
+            <a:r>
+              <a:rPr lang="en-US" altLang="ko-KR" sz="2000" dirty="0" err="1">
+                <a:ea typeface="돋움" pitchFamily="50" charset="-127"/>
+              </a:rPr>
+              <a:t>git</a:t>
+            </a:r>
+            <a:r>
+              <a:rPr lang="en-US" altLang="ko-KR" sz="2000" dirty="0">
+                <a:ea typeface="돋움" pitchFamily="50" charset="-127"/>
+              </a:rPr>
+              <a:t> </a:t>
+            </a:r>
+            <a:r>
+              <a:rPr lang="en-US" altLang="ko-KR" sz="2000" dirty="0" err="1">
+                <a:ea typeface="돋움" pitchFamily="50" charset="-127"/>
+              </a:rPr>
+              <a:t>config</a:t>
+            </a:r>
+            <a:r>
+              <a:rPr lang="en-US" altLang="ko-KR" sz="2000" dirty="0">
+                <a:ea typeface="돋움" pitchFamily="50" charset="-127"/>
+              </a:rPr>
+              <a:t> --global </a:t>
+            </a:r>
+            <a:r>
+              <a:rPr lang="en-US" altLang="ko-KR" sz="2000" dirty="0" err="1">
+                <a:ea typeface="돋움" pitchFamily="50" charset="-127"/>
+              </a:rPr>
+              <a:t>core.filemode</a:t>
+            </a:r>
+            <a:r>
+              <a:rPr lang="en-US" altLang="ko-KR" sz="2000" dirty="0">
+                <a:ea typeface="돋움" pitchFamily="50" charset="-127"/>
+              </a:rPr>
+              <a:t> false</a:t>
+            </a:r>
+          </a:p>
+          <a:p>
+            <a:pPr lvl="3" defTabSz="914296" fontAlgn="base">
+              <a:spcBef>
+                <a:spcPct val="0"/>
+              </a:spcBef>
+              <a:spcAft>
+                <a:spcPct val="0"/>
+              </a:spcAft>
+              <a:defRPr/>
+            </a:pPr>
+            <a:r>
+              <a:rPr lang="en-US" altLang="ko-KR" sz="2000" dirty="0">
+                <a:ea typeface="돋움" pitchFamily="50" charset="-127"/>
+              </a:rPr>
+              <a:t> </a:t>
+            </a:r>
+          </a:p>
+          <a:p>
+            <a:pPr lvl="3" defTabSz="914296" fontAlgn="base">
+              <a:spcBef>
+                <a:spcPct val="0"/>
+              </a:spcBef>
+              <a:spcAft>
+                <a:spcPct val="0"/>
+              </a:spcAft>
+              <a:defRPr/>
+            </a:pPr>
+            <a:r>
+              <a:rPr lang="en-US" altLang="ko-KR" sz="2000" dirty="0">
+                <a:ea typeface="돋움" pitchFamily="50" charset="-127"/>
+              </a:rPr>
+              <a:t># Mac OS X </a:t>
+            </a:r>
+            <a:r>
+              <a:rPr lang="ko-KR" altLang="en-US" sz="2000" dirty="0">
+                <a:ea typeface="돋움" pitchFamily="50" charset="-127"/>
+              </a:rPr>
+              <a:t>유니코드 문제</a:t>
+            </a:r>
+          </a:p>
+          <a:p>
+            <a:pPr lvl="3" defTabSz="914296" fontAlgn="base">
+              <a:spcBef>
+                <a:spcPct val="0"/>
+              </a:spcBef>
+              <a:spcAft>
+                <a:spcPct val="0"/>
+              </a:spcAft>
+              <a:defRPr/>
+            </a:pPr>
+            <a:r>
+              <a:rPr lang="en-US" altLang="ko-KR" sz="2000" dirty="0" err="1">
+                <a:ea typeface="돋움" pitchFamily="50" charset="-127"/>
+              </a:rPr>
+              <a:t>git</a:t>
+            </a:r>
+            <a:r>
+              <a:rPr lang="en-US" altLang="ko-KR" sz="2000" dirty="0">
+                <a:ea typeface="돋움" pitchFamily="50" charset="-127"/>
+              </a:rPr>
+              <a:t> </a:t>
+            </a:r>
+            <a:r>
+              <a:rPr lang="en-US" altLang="ko-KR" sz="2000" dirty="0" err="1">
+                <a:ea typeface="돋움" pitchFamily="50" charset="-127"/>
+              </a:rPr>
+              <a:t>config</a:t>
+            </a:r>
+            <a:r>
+              <a:rPr lang="en-US" altLang="ko-KR" sz="2000" dirty="0">
+                <a:ea typeface="돋움" pitchFamily="50" charset="-127"/>
+              </a:rPr>
+              <a:t> --global </a:t>
+            </a:r>
+            <a:r>
+              <a:rPr lang="en-US" altLang="ko-KR" sz="2000" dirty="0" err="1">
+                <a:ea typeface="돋움" pitchFamily="50" charset="-127"/>
+              </a:rPr>
+              <a:t>core.precomposeunicode</a:t>
+            </a:r>
+            <a:r>
+              <a:rPr lang="en-US" altLang="ko-KR" sz="2000" dirty="0">
+                <a:ea typeface="돋움" pitchFamily="50" charset="-127"/>
+              </a:rPr>
+              <a:t> true</a:t>
+            </a:r>
+            <a:endParaRPr lang="en-US" altLang="ko-KR" sz="2000" dirty="0" smtClean="0">
+              <a:ea typeface="돋움" pitchFamily="50" charset="-127"/>
+            </a:endParaRPr>
+          </a:p>
+          <a:p>
+            <a:pPr lvl="1" defTabSz="914296" fontAlgn="base">
+              <a:spcBef>
+                <a:spcPct val="0"/>
+              </a:spcBef>
+              <a:spcAft>
+                <a:spcPct val="0"/>
+              </a:spcAft>
+              <a:defRPr/>
+            </a:pPr>
+            <a:endParaRPr lang="en-US" altLang="ko-KR" sz="2000" dirty="0" smtClean="0">
+              <a:ea typeface="돋움" pitchFamily="50" charset="-127"/>
+            </a:endParaRPr>
+          </a:p>
+          <a:p>
+            <a:pPr marL="800100" lvl="1" indent="-342900" defTabSz="914296" fontAlgn="base">
+              <a:spcBef>
+                <a:spcPct val="0"/>
+              </a:spcBef>
+              <a:spcAft>
+                <a:spcPct val="0"/>
+              </a:spcAft>
+              <a:buFont typeface="Wingdings" charset="2"/>
+              <a:buChar char="§"/>
+              <a:defRPr/>
+            </a:pPr>
+            <a:endParaRPr lang="en-US" altLang="ko-KR" sz="2000" dirty="0">
+              <a:ea typeface="돋움" pitchFamily="50" charset="-127"/>
+            </a:endParaRPr>
+          </a:p>
+        </p:txBody>
+      </p:sp>
+      <p:sp>
+        <p:nvSpPr>
+          <p:cNvPr id="13" name="Rectangle 38"/>
+          <p:cNvSpPr txBox="1">
+            <a:spLocks noChangeArrowheads="1"/>
+          </p:cNvSpPr>
+          <p:nvPr/>
+        </p:nvSpPr>
+        <p:spPr bwMode="auto">
+          <a:xfrm>
+            <a:off x="182470" y="188640"/>
+            <a:ext cx="5220580" cy="530225"/>
+          </a:xfrm>
+          <a:prstGeom prst="rect">
+            <a:avLst/>
+          </a:prstGeom>
+          <a:noFill/>
+          <a:ln w="9525">
+            <a:noFill/>
+            <a:miter lim="800000"/>
+            <a:headEnd/>
+            <a:tailEnd/>
+          </a:ln>
+          <a:effectLst/>
+        </p:spPr>
+        <p:txBody>
+          <a:bodyPr vert="horz" wrap="square" lIns="91440" tIns="45720" rIns="91440" bIns="45720" numCol="1" anchor="ctr" anchorCtr="0" compatLnSpc="1">
+            <a:prstTxWarp prst="textNoShape">
+              <a:avLst/>
+            </a:prstTxWarp>
+          </a:bodyPr>
+          <a:lstStyle/>
+          <a:p>
+            <a:pPr lvl="0" fontAlgn="base">
+              <a:spcBef>
+                <a:spcPct val="0"/>
+              </a:spcBef>
+              <a:spcAft>
+                <a:spcPct val="0"/>
+              </a:spcAft>
+              <a:defRPr/>
+            </a:pPr>
+            <a:r>
+              <a:rPr kumimoji="1" lang="en-US" altLang="ko-KR" kern="0" dirty="0">
+                <a:latin typeface="HY견고딕"/>
+                <a:ea typeface="HY견고딕"/>
+              </a:rPr>
+              <a:t>Java </a:t>
+            </a:r>
+            <a:r>
+              <a:rPr kumimoji="1" lang="en-US" altLang="ko-KR" kern="0" dirty="0" smtClean="0">
+                <a:latin typeface="HY견고딕"/>
+                <a:ea typeface="HY견고딕"/>
+              </a:rPr>
+              <a:t>Study</a:t>
+            </a:r>
+            <a:endParaRPr kumimoji="1" lang="ko-KR" altLang="en-US" kern="0" dirty="0">
+              <a:latin typeface="HY견고딕"/>
+              <a:ea typeface="HY견고딕"/>
+            </a:endParaRPr>
+          </a:p>
+        </p:txBody>
+      </p:sp>
+    </p:spTree>
+    <p:extLst>
+      <p:ext uri="{BB962C8B-B14F-4D97-AF65-F5344CB8AC3E}">
+        <p14:creationId xmlns:p14="http://schemas.microsoft.com/office/powerpoint/2010/main" val="977779348"/>
+      </p:ext>
+    </p:extLst>
+  </p:cSld>
+  <p:clrMapOvr>
+    <a:masterClrMapping/>
+  </p:clrMapOvr>
+</p:sld>
+</file>
+
+<file path=ppt/slides/slide14.xml><?xml version="1.0" encoding="utf-8"?>
+<p:sld xmlns:a="http://schemas.openxmlformats.org/drawingml/2006/main" xmlns:r="http://schemas.openxmlformats.org/officeDocument/2006/relationships" xmlns:p="http://schemas.openxmlformats.org/presentationml/2006/main">
+  <p:cSld>
+    <p:spTree>
+      <p:nvGrpSpPr>
+        <p:cNvPr id="1" name=""/>
+        <p:cNvGrpSpPr/>
+        <p:nvPr/>
+      </p:nvGrpSpPr>
+      <p:grpSpPr>
+        <a:xfrm>
+          <a:off x="0" y="0"/>
+          <a:ext cx="0" cy="0"/>
+          <a:chOff x="0" y="0"/>
+          <a:chExt cx="0" cy="0"/>
+        </a:xfrm>
+      </p:grpSpPr>
+      <p:sp>
+        <p:nvSpPr>
+          <p:cNvPr id="2" name="Slide Number Placeholder 1"/>
+          <p:cNvSpPr>
+            <a:spLocks noGrp="1"/>
+          </p:cNvSpPr>
+          <p:nvPr>
+            <p:ph type="sldNum" sz="quarter" idx="4"/>
+          </p:nvPr>
+        </p:nvSpPr>
+        <p:spPr/>
+        <p:txBody>
+          <a:bodyPr/>
+          <a:lstStyle/>
+          <a:p>
+            <a:fld id="{5AA28E66-120B-484F-92DB-562B1AF73FA6}" type="slidenum">
+              <a:rPr lang="ko-KR" altLang="en-US" smtClean="0"/>
+              <a:pPr/>
+              <a:t>14</a:t>
+            </a:fld>
+            <a:endParaRPr lang="ko-KR" altLang="en-US" dirty="0"/>
+          </a:p>
+        </p:txBody>
+      </p:sp>
+      <p:sp>
+        <p:nvSpPr>
+          <p:cNvPr id="3" name="Slide Number Placeholder 1"/>
+          <p:cNvSpPr txBox="1">
+            <a:spLocks/>
+          </p:cNvSpPr>
+          <p:nvPr/>
+        </p:nvSpPr>
+        <p:spPr>
+          <a:xfrm>
+            <a:off x="7594600" y="6579350"/>
+            <a:ext cx="2311400" cy="278650"/>
+          </a:xfrm>
+          <a:prstGeom prst="rect">
+            <a:avLst/>
+          </a:prstGeom>
+        </p:spPr>
+        <p:txBody>
+          <a:bodyPr vert="horz" lIns="91440" tIns="45720" rIns="91440" bIns="45720" rtlCol="0" anchor="ctr"/>
+          <a:lstStyle>
+            <a:defPPr>
+              <a:defRPr lang="ko-KR"/>
+            </a:defPPr>
+            <a:lvl1pPr marL="0" algn="r" defTabSz="914400" rtl="0" eaLnBrk="1" latinLnBrk="1" hangingPunct="1">
+              <a:defRPr sz="1000" kern="1200">
+                <a:solidFill>
+                  <a:srgbClr val="FFFFFF"/>
+                </a:solidFill>
+                <a:latin typeface="+mn-lt"/>
+                <a:ea typeface="+mn-ea"/>
+                <a:cs typeface="+mn-cs"/>
+              </a:defRPr>
+            </a:lvl1pPr>
+            <a:lvl2pPr marL="457200" algn="l" defTabSz="914400" rtl="0" eaLnBrk="1" latinLnBrk="1" hangingPunct="1">
+              <a:defRPr sz="1800" kern="1200">
+                <a:solidFill>
+                  <a:schemeClr val="tx1"/>
+                </a:solidFill>
+                <a:latin typeface="+mn-lt"/>
+                <a:ea typeface="+mn-ea"/>
+                <a:cs typeface="+mn-cs"/>
+              </a:defRPr>
+            </a:lvl2pPr>
+            <a:lvl3pPr marL="914400" algn="l" defTabSz="914400" rtl="0" eaLnBrk="1" latinLnBrk="1" hangingPunct="1">
+              <a:defRPr sz="1800" kern="1200">
+                <a:solidFill>
+                  <a:schemeClr val="tx1"/>
+                </a:solidFill>
+                <a:latin typeface="+mn-lt"/>
+                <a:ea typeface="+mn-ea"/>
+                <a:cs typeface="+mn-cs"/>
+              </a:defRPr>
+            </a:lvl3pPr>
+            <a:lvl4pPr marL="1371600" algn="l" defTabSz="914400" rtl="0" eaLnBrk="1" latinLnBrk="1" hangingPunct="1">
+              <a:defRPr sz="1800" kern="1200">
+                <a:solidFill>
+                  <a:schemeClr val="tx1"/>
+                </a:solidFill>
+                <a:latin typeface="+mn-lt"/>
+                <a:ea typeface="+mn-ea"/>
+                <a:cs typeface="+mn-cs"/>
+              </a:defRPr>
+            </a:lvl4pPr>
+            <a:lvl5pPr marL="1828800" algn="l" defTabSz="914400" rtl="0" eaLnBrk="1" latinLnBrk="1" hangingPunct="1">
+              <a:defRPr sz="1800" kern="1200">
+                <a:solidFill>
+                  <a:schemeClr val="tx1"/>
+                </a:solidFill>
+                <a:latin typeface="+mn-lt"/>
+                <a:ea typeface="+mn-ea"/>
+                <a:cs typeface="+mn-cs"/>
+              </a:defRPr>
+            </a:lvl5pPr>
+            <a:lvl6pPr marL="2286000" algn="l" defTabSz="914400" rtl="0" eaLnBrk="1" latinLnBrk="1" hangingPunct="1">
+              <a:defRPr sz="1800" kern="1200">
+                <a:solidFill>
+                  <a:schemeClr val="tx1"/>
+                </a:solidFill>
+                <a:latin typeface="+mn-lt"/>
+                <a:ea typeface="+mn-ea"/>
+                <a:cs typeface="+mn-cs"/>
+              </a:defRPr>
+            </a:lvl6pPr>
+            <a:lvl7pPr marL="2743200" algn="l" defTabSz="914400" rtl="0" eaLnBrk="1" latinLnBrk="1" hangingPunct="1">
+              <a:defRPr sz="1800" kern="1200">
+                <a:solidFill>
+                  <a:schemeClr val="tx1"/>
+                </a:solidFill>
+                <a:latin typeface="+mn-lt"/>
+                <a:ea typeface="+mn-ea"/>
+                <a:cs typeface="+mn-cs"/>
+              </a:defRPr>
+            </a:lvl7pPr>
+            <a:lvl8pPr marL="3200400" algn="l" defTabSz="914400" rtl="0" eaLnBrk="1" latinLnBrk="1" hangingPunct="1">
+              <a:defRPr sz="1800" kern="1200">
+                <a:solidFill>
+                  <a:schemeClr val="tx1"/>
+                </a:solidFill>
+                <a:latin typeface="+mn-lt"/>
+                <a:ea typeface="+mn-ea"/>
+                <a:cs typeface="+mn-cs"/>
+              </a:defRPr>
+            </a:lvl8pPr>
+            <a:lvl9pPr marL="3657600" algn="l" defTabSz="914400" rtl="0" eaLnBrk="1" latinLnBrk="1" hangingPunct="1">
+              <a:defRPr sz="1800" kern="1200">
+                <a:solidFill>
+                  <a:schemeClr val="tx1"/>
+                </a:solidFill>
+                <a:latin typeface="+mn-lt"/>
+                <a:ea typeface="+mn-ea"/>
+                <a:cs typeface="+mn-cs"/>
+              </a:defRPr>
+            </a:lvl9pPr>
+          </a:lstStyle>
+          <a:p>
+            <a:fld id="{5AA28E66-120B-484F-92DB-562B1AF73FA6}" type="slidenum">
+              <a:rPr lang="ko-KR" altLang="en-US" smtClean="0"/>
+              <a:pPr/>
+              <a:t>14</a:t>
+            </a:fld>
+            <a:endParaRPr lang="ko-KR" altLang="en-US" dirty="0"/>
+          </a:p>
+        </p:txBody>
+      </p:sp>
+      <p:sp>
+        <p:nvSpPr>
+          <p:cNvPr id="4" name="Slide Number Placeholder 1"/>
+          <p:cNvSpPr txBox="1">
+            <a:spLocks/>
+          </p:cNvSpPr>
+          <p:nvPr/>
+        </p:nvSpPr>
+        <p:spPr>
+          <a:xfrm>
+            <a:off x="7594600" y="6579350"/>
+            <a:ext cx="2311400" cy="278650"/>
+          </a:xfrm>
+          <a:prstGeom prst="rect">
+            <a:avLst/>
+          </a:prstGeom>
+        </p:spPr>
+        <p:txBody>
+          <a:bodyPr vert="horz" lIns="91440" tIns="45720" rIns="91440" bIns="45720" rtlCol="0" anchor="ctr"/>
+          <a:lstStyle>
+            <a:defPPr>
+              <a:defRPr lang="ko-KR"/>
+            </a:defPPr>
+            <a:lvl1pPr marL="0" algn="r" defTabSz="914400" rtl="0" eaLnBrk="1" latinLnBrk="1" hangingPunct="1">
+              <a:defRPr sz="1000" kern="1200">
+                <a:solidFill>
+                  <a:srgbClr val="FFFFFF"/>
+                </a:solidFill>
+                <a:latin typeface="+mn-lt"/>
+                <a:ea typeface="+mn-ea"/>
+                <a:cs typeface="+mn-cs"/>
+              </a:defRPr>
+            </a:lvl1pPr>
+            <a:lvl2pPr marL="457200" algn="l" defTabSz="914400" rtl="0" eaLnBrk="1" latinLnBrk="1" hangingPunct="1">
+              <a:defRPr sz="1800" kern="1200">
+                <a:solidFill>
+                  <a:schemeClr val="tx1"/>
+                </a:solidFill>
+                <a:latin typeface="+mn-lt"/>
+                <a:ea typeface="+mn-ea"/>
+                <a:cs typeface="+mn-cs"/>
+              </a:defRPr>
+            </a:lvl2pPr>
+            <a:lvl3pPr marL="914400" algn="l" defTabSz="914400" rtl="0" eaLnBrk="1" latinLnBrk="1" hangingPunct="1">
+              <a:defRPr sz="1800" kern="1200">
+                <a:solidFill>
+                  <a:schemeClr val="tx1"/>
+                </a:solidFill>
+                <a:latin typeface="+mn-lt"/>
+                <a:ea typeface="+mn-ea"/>
+                <a:cs typeface="+mn-cs"/>
+              </a:defRPr>
+            </a:lvl3pPr>
+            <a:lvl4pPr marL="1371600" algn="l" defTabSz="914400" rtl="0" eaLnBrk="1" latinLnBrk="1" hangingPunct="1">
+              <a:defRPr sz="1800" kern="1200">
+                <a:solidFill>
+                  <a:schemeClr val="tx1"/>
+                </a:solidFill>
+                <a:latin typeface="+mn-lt"/>
+                <a:ea typeface="+mn-ea"/>
+                <a:cs typeface="+mn-cs"/>
+              </a:defRPr>
+            </a:lvl4pPr>
+            <a:lvl5pPr marL="1828800" algn="l" defTabSz="914400" rtl="0" eaLnBrk="1" latinLnBrk="1" hangingPunct="1">
+              <a:defRPr sz="1800" kern="1200">
+                <a:solidFill>
+                  <a:schemeClr val="tx1"/>
+                </a:solidFill>
+                <a:latin typeface="+mn-lt"/>
+                <a:ea typeface="+mn-ea"/>
+                <a:cs typeface="+mn-cs"/>
+              </a:defRPr>
+            </a:lvl5pPr>
+            <a:lvl6pPr marL="2286000" algn="l" defTabSz="914400" rtl="0" eaLnBrk="1" latinLnBrk="1" hangingPunct="1">
+              <a:defRPr sz="1800" kern="1200">
+                <a:solidFill>
+                  <a:schemeClr val="tx1"/>
+                </a:solidFill>
+                <a:latin typeface="+mn-lt"/>
+                <a:ea typeface="+mn-ea"/>
+                <a:cs typeface="+mn-cs"/>
+              </a:defRPr>
+            </a:lvl6pPr>
+            <a:lvl7pPr marL="2743200" algn="l" defTabSz="914400" rtl="0" eaLnBrk="1" latinLnBrk="1" hangingPunct="1">
+              <a:defRPr sz="1800" kern="1200">
+                <a:solidFill>
+                  <a:schemeClr val="tx1"/>
+                </a:solidFill>
+                <a:latin typeface="+mn-lt"/>
+                <a:ea typeface="+mn-ea"/>
+                <a:cs typeface="+mn-cs"/>
+              </a:defRPr>
+            </a:lvl7pPr>
+            <a:lvl8pPr marL="3200400" algn="l" defTabSz="914400" rtl="0" eaLnBrk="1" latinLnBrk="1" hangingPunct="1">
+              <a:defRPr sz="1800" kern="1200">
+                <a:solidFill>
+                  <a:schemeClr val="tx1"/>
+                </a:solidFill>
+                <a:latin typeface="+mn-lt"/>
+                <a:ea typeface="+mn-ea"/>
+                <a:cs typeface="+mn-cs"/>
+              </a:defRPr>
+            </a:lvl8pPr>
+            <a:lvl9pPr marL="3657600" algn="l" defTabSz="914400" rtl="0" eaLnBrk="1" latinLnBrk="1" hangingPunct="1">
+              <a:defRPr sz="1800" kern="1200">
+                <a:solidFill>
+                  <a:schemeClr val="tx1"/>
+                </a:solidFill>
+                <a:latin typeface="+mn-lt"/>
+                <a:ea typeface="+mn-ea"/>
+                <a:cs typeface="+mn-cs"/>
+              </a:defRPr>
+            </a:lvl9pPr>
+          </a:lstStyle>
+          <a:p>
+            <a:fld id="{5AA28E66-120B-484F-92DB-562B1AF73FA6}" type="slidenum">
+              <a:rPr lang="ko-KR" altLang="en-US" smtClean="0"/>
+              <a:pPr/>
+              <a:t>14</a:t>
+            </a:fld>
+            <a:endParaRPr lang="ko-KR" altLang="en-US" dirty="0"/>
+          </a:p>
+        </p:txBody>
+      </p:sp>
+      <p:sp>
+        <p:nvSpPr>
+          <p:cNvPr id="5" name="Slide Number Placeholder 1"/>
+          <p:cNvSpPr txBox="1">
+            <a:spLocks/>
+          </p:cNvSpPr>
+          <p:nvPr/>
+        </p:nvSpPr>
+        <p:spPr>
+          <a:xfrm>
+            <a:off x="7594600" y="6579350"/>
+            <a:ext cx="2311400" cy="278650"/>
+          </a:xfrm>
+          <a:prstGeom prst="rect">
+            <a:avLst/>
+          </a:prstGeom>
+        </p:spPr>
+        <p:txBody>
+          <a:bodyPr vert="horz" lIns="91440" tIns="45720" rIns="91440" bIns="45720" rtlCol="0" anchor="ctr"/>
+          <a:lstStyle>
+            <a:defPPr>
+              <a:defRPr lang="ko-KR"/>
+            </a:defPPr>
+            <a:lvl1pPr marL="0" algn="r" defTabSz="914400" rtl="0" eaLnBrk="1" latinLnBrk="1" hangingPunct="1">
+              <a:defRPr sz="1000" kern="1200">
+                <a:solidFill>
+                  <a:srgbClr val="FFFFFF"/>
+                </a:solidFill>
+                <a:latin typeface="+mn-lt"/>
+                <a:ea typeface="+mn-ea"/>
+                <a:cs typeface="+mn-cs"/>
+              </a:defRPr>
+            </a:lvl1pPr>
+            <a:lvl2pPr marL="457200" algn="l" defTabSz="914400" rtl="0" eaLnBrk="1" latinLnBrk="1" hangingPunct="1">
+              <a:defRPr sz="1800" kern="1200">
+                <a:solidFill>
+                  <a:schemeClr val="tx1"/>
+                </a:solidFill>
+                <a:latin typeface="+mn-lt"/>
+                <a:ea typeface="+mn-ea"/>
+                <a:cs typeface="+mn-cs"/>
+              </a:defRPr>
+            </a:lvl2pPr>
+            <a:lvl3pPr marL="914400" algn="l" defTabSz="914400" rtl="0" eaLnBrk="1" latinLnBrk="1" hangingPunct="1">
+              <a:defRPr sz="1800" kern="1200">
+                <a:solidFill>
+                  <a:schemeClr val="tx1"/>
+                </a:solidFill>
+                <a:latin typeface="+mn-lt"/>
+                <a:ea typeface="+mn-ea"/>
+                <a:cs typeface="+mn-cs"/>
+              </a:defRPr>
+            </a:lvl3pPr>
+            <a:lvl4pPr marL="1371600" algn="l" defTabSz="914400" rtl="0" eaLnBrk="1" latinLnBrk="1" hangingPunct="1">
+              <a:defRPr sz="1800" kern="1200">
+                <a:solidFill>
+                  <a:schemeClr val="tx1"/>
+                </a:solidFill>
+                <a:latin typeface="+mn-lt"/>
+                <a:ea typeface="+mn-ea"/>
+                <a:cs typeface="+mn-cs"/>
+              </a:defRPr>
+            </a:lvl4pPr>
+            <a:lvl5pPr marL="1828800" algn="l" defTabSz="914400" rtl="0" eaLnBrk="1" latinLnBrk="1" hangingPunct="1">
+              <a:defRPr sz="1800" kern="1200">
+                <a:solidFill>
+                  <a:schemeClr val="tx1"/>
+                </a:solidFill>
+                <a:latin typeface="+mn-lt"/>
+                <a:ea typeface="+mn-ea"/>
+                <a:cs typeface="+mn-cs"/>
+              </a:defRPr>
+            </a:lvl5pPr>
+            <a:lvl6pPr marL="2286000" algn="l" defTabSz="914400" rtl="0" eaLnBrk="1" latinLnBrk="1" hangingPunct="1">
+              <a:defRPr sz="1800" kern="1200">
+                <a:solidFill>
+                  <a:schemeClr val="tx1"/>
+                </a:solidFill>
+                <a:latin typeface="+mn-lt"/>
+                <a:ea typeface="+mn-ea"/>
+                <a:cs typeface="+mn-cs"/>
+              </a:defRPr>
+            </a:lvl6pPr>
+            <a:lvl7pPr marL="2743200" algn="l" defTabSz="914400" rtl="0" eaLnBrk="1" latinLnBrk="1" hangingPunct="1">
+              <a:defRPr sz="1800" kern="1200">
+                <a:solidFill>
+                  <a:schemeClr val="tx1"/>
+                </a:solidFill>
+                <a:latin typeface="+mn-lt"/>
+                <a:ea typeface="+mn-ea"/>
+                <a:cs typeface="+mn-cs"/>
+              </a:defRPr>
+            </a:lvl7pPr>
+            <a:lvl8pPr marL="3200400" algn="l" defTabSz="914400" rtl="0" eaLnBrk="1" latinLnBrk="1" hangingPunct="1">
+              <a:defRPr sz="1800" kern="1200">
+                <a:solidFill>
+                  <a:schemeClr val="tx1"/>
+                </a:solidFill>
+                <a:latin typeface="+mn-lt"/>
+                <a:ea typeface="+mn-ea"/>
+                <a:cs typeface="+mn-cs"/>
+              </a:defRPr>
+            </a:lvl8pPr>
+            <a:lvl9pPr marL="3657600" algn="l" defTabSz="914400" rtl="0" eaLnBrk="1" latinLnBrk="1" hangingPunct="1">
+              <a:defRPr sz="1800" kern="1200">
+                <a:solidFill>
+                  <a:schemeClr val="tx1"/>
+                </a:solidFill>
+                <a:latin typeface="+mn-lt"/>
+                <a:ea typeface="+mn-ea"/>
+                <a:cs typeface="+mn-cs"/>
+              </a:defRPr>
+            </a:lvl9pPr>
+          </a:lstStyle>
+          <a:p>
+            <a:fld id="{5AA28E66-120B-484F-92DB-562B1AF73FA6}" type="slidenum">
+              <a:rPr lang="ko-KR" altLang="en-US" smtClean="0"/>
+              <a:pPr/>
+              <a:t>14</a:t>
+            </a:fld>
+            <a:endParaRPr lang="ko-KR" altLang="en-US" dirty="0"/>
+          </a:p>
+        </p:txBody>
+      </p:sp>
+      <p:sp>
+        <p:nvSpPr>
+          <p:cNvPr id="6" name="Slide Number Placeholder 1"/>
+          <p:cNvSpPr txBox="1">
+            <a:spLocks/>
+          </p:cNvSpPr>
+          <p:nvPr/>
+        </p:nvSpPr>
+        <p:spPr>
+          <a:xfrm>
+            <a:off x="7594600" y="6579350"/>
+            <a:ext cx="2311400" cy="278650"/>
+          </a:xfrm>
+          <a:prstGeom prst="rect">
+            <a:avLst/>
+          </a:prstGeom>
+        </p:spPr>
+        <p:txBody>
+          <a:bodyPr vert="horz" lIns="91440" tIns="45720" rIns="91440" bIns="45720" rtlCol="0" anchor="ctr"/>
+          <a:lstStyle>
+            <a:defPPr>
+              <a:defRPr lang="ko-KR"/>
+            </a:defPPr>
+            <a:lvl1pPr marL="0" algn="r" defTabSz="914400" rtl="0" eaLnBrk="1" latinLnBrk="1" hangingPunct="1">
+              <a:defRPr sz="1000" kern="1200">
+                <a:solidFill>
+                  <a:srgbClr val="FFFFFF"/>
+                </a:solidFill>
+                <a:latin typeface="+mn-lt"/>
+                <a:ea typeface="+mn-ea"/>
+                <a:cs typeface="+mn-cs"/>
+              </a:defRPr>
+            </a:lvl1pPr>
+            <a:lvl2pPr marL="457200" algn="l" defTabSz="914400" rtl="0" eaLnBrk="1" latinLnBrk="1" hangingPunct="1">
+              <a:defRPr sz="1800" kern="1200">
+                <a:solidFill>
+                  <a:schemeClr val="tx1"/>
+                </a:solidFill>
+                <a:latin typeface="+mn-lt"/>
+                <a:ea typeface="+mn-ea"/>
+                <a:cs typeface="+mn-cs"/>
+              </a:defRPr>
+            </a:lvl2pPr>
+            <a:lvl3pPr marL="914400" algn="l" defTabSz="914400" rtl="0" eaLnBrk="1" latinLnBrk="1" hangingPunct="1">
+              <a:defRPr sz="1800" kern="1200">
+                <a:solidFill>
+                  <a:schemeClr val="tx1"/>
+                </a:solidFill>
+                <a:latin typeface="+mn-lt"/>
+                <a:ea typeface="+mn-ea"/>
+                <a:cs typeface="+mn-cs"/>
+              </a:defRPr>
+            </a:lvl3pPr>
+            <a:lvl4pPr marL="1371600" algn="l" defTabSz="914400" rtl="0" eaLnBrk="1" latinLnBrk="1" hangingPunct="1">
+              <a:defRPr sz="1800" kern="1200">
+                <a:solidFill>
+                  <a:schemeClr val="tx1"/>
+                </a:solidFill>
+                <a:latin typeface="+mn-lt"/>
+                <a:ea typeface="+mn-ea"/>
+                <a:cs typeface="+mn-cs"/>
+              </a:defRPr>
+            </a:lvl4pPr>
+            <a:lvl5pPr marL="1828800" algn="l" defTabSz="914400" rtl="0" eaLnBrk="1" latinLnBrk="1" hangingPunct="1">
+              <a:defRPr sz="1800" kern="1200">
+                <a:solidFill>
+                  <a:schemeClr val="tx1"/>
+                </a:solidFill>
+                <a:latin typeface="+mn-lt"/>
+                <a:ea typeface="+mn-ea"/>
+                <a:cs typeface="+mn-cs"/>
+              </a:defRPr>
+            </a:lvl5pPr>
+            <a:lvl6pPr marL="2286000" algn="l" defTabSz="914400" rtl="0" eaLnBrk="1" latinLnBrk="1" hangingPunct="1">
+              <a:defRPr sz="1800" kern="1200">
+                <a:solidFill>
+                  <a:schemeClr val="tx1"/>
+                </a:solidFill>
+                <a:latin typeface="+mn-lt"/>
+                <a:ea typeface="+mn-ea"/>
+                <a:cs typeface="+mn-cs"/>
+              </a:defRPr>
+            </a:lvl6pPr>
+            <a:lvl7pPr marL="2743200" algn="l" defTabSz="914400" rtl="0" eaLnBrk="1" latinLnBrk="1" hangingPunct="1">
+              <a:defRPr sz="1800" kern="1200">
+                <a:solidFill>
+                  <a:schemeClr val="tx1"/>
+                </a:solidFill>
+                <a:latin typeface="+mn-lt"/>
+                <a:ea typeface="+mn-ea"/>
+                <a:cs typeface="+mn-cs"/>
+              </a:defRPr>
+            </a:lvl7pPr>
+            <a:lvl8pPr marL="3200400" algn="l" defTabSz="914400" rtl="0" eaLnBrk="1" latinLnBrk="1" hangingPunct="1">
+              <a:defRPr sz="1800" kern="1200">
+                <a:solidFill>
+                  <a:schemeClr val="tx1"/>
+                </a:solidFill>
+                <a:latin typeface="+mn-lt"/>
+                <a:ea typeface="+mn-ea"/>
+                <a:cs typeface="+mn-cs"/>
+              </a:defRPr>
+            </a:lvl8pPr>
+            <a:lvl9pPr marL="3657600" algn="l" defTabSz="914400" rtl="0" eaLnBrk="1" latinLnBrk="1" hangingPunct="1">
+              <a:defRPr sz="1800" kern="1200">
+                <a:solidFill>
+                  <a:schemeClr val="tx1"/>
+                </a:solidFill>
+                <a:latin typeface="+mn-lt"/>
+                <a:ea typeface="+mn-ea"/>
+                <a:cs typeface="+mn-cs"/>
+              </a:defRPr>
+            </a:lvl9pPr>
+          </a:lstStyle>
+          <a:p>
+            <a:fld id="{5AA28E66-120B-484F-92DB-562B1AF73FA6}" type="slidenum">
+              <a:rPr lang="ko-KR" altLang="en-US" smtClean="0"/>
+              <a:pPr/>
+              <a:t>14</a:t>
+            </a:fld>
+            <a:endParaRPr lang="ko-KR" altLang="en-US" dirty="0"/>
+          </a:p>
+        </p:txBody>
+      </p:sp>
+      <p:sp>
+        <p:nvSpPr>
+          <p:cNvPr id="7" name="Slide Number Placeholder 1"/>
+          <p:cNvSpPr txBox="1">
+            <a:spLocks/>
+          </p:cNvSpPr>
+          <p:nvPr/>
+        </p:nvSpPr>
+        <p:spPr>
+          <a:xfrm>
+            <a:off x="7594600" y="6579350"/>
+            <a:ext cx="2311400" cy="278650"/>
+          </a:xfrm>
+          <a:prstGeom prst="rect">
+            <a:avLst/>
+          </a:prstGeom>
+        </p:spPr>
+        <p:txBody>
+          <a:bodyPr vert="horz" lIns="91440" tIns="45720" rIns="91440" bIns="45720" rtlCol="0" anchor="ctr"/>
+          <a:lstStyle>
+            <a:defPPr>
+              <a:defRPr lang="ko-KR"/>
+            </a:defPPr>
+            <a:lvl1pPr marL="0" algn="r" defTabSz="914400" rtl="0" eaLnBrk="1" latinLnBrk="1" hangingPunct="1">
+              <a:defRPr sz="1000" kern="1200">
+                <a:solidFill>
+                  <a:srgbClr val="FFFFFF"/>
+                </a:solidFill>
+                <a:latin typeface="+mn-lt"/>
+                <a:ea typeface="+mn-ea"/>
+                <a:cs typeface="+mn-cs"/>
+              </a:defRPr>
+            </a:lvl1pPr>
+            <a:lvl2pPr marL="457200" algn="l" defTabSz="914400" rtl="0" eaLnBrk="1" latinLnBrk="1" hangingPunct="1">
+              <a:defRPr sz="1800" kern="1200">
+                <a:solidFill>
+                  <a:schemeClr val="tx1"/>
+                </a:solidFill>
+                <a:latin typeface="+mn-lt"/>
+                <a:ea typeface="+mn-ea"/>
+                <a:cs typeface="+mn-cs"/>
+              </a:defRPr>
+            </a:lvl2pPr>
+            <a:lvl3pPr marL="914400" algn="l" defTabSz="914400" rtl="0" eaLnBrk="1" latinLnBrk="1" hangingPunct="1">
+              <a:defRPr sz="1800" kern="1200">
+                <a:solidFill>
+                  <a:schemeClr val="tx1"/>
+                </a:solidFill>
+                <a:latin typeface="+mn-lt"/>
+                <a:ea typeface="+mn-ea"/>
+                <a:cs typeface="+mn-cs"/>
+              </a:defRPr>
+            </a:lvl3pPr>
+            <a:lvl4pPr marL="1371600" algn="l" defTabSz="914400" rtl="0" eaLnBrk="1" latinLnBrk="1" hangingPunct="1">
+              <a:defRPr sz="1800" kern="1200">
+                <a:solidFill>
+                  <a:schemeClr val="tx1"/>
+                </a:solidFill>
+                <a:latin typeface="+mn-lt"/>
+                <a:ea typeface="+mn-ea"/>
+                <a:cs typeface="+mn-cs"/>
+              </a:defRPr>
+            </a:lvl4pPr>
+            <a:lvl5pPr marL="1828800" algn="l" defTabSz="914400" rtl="0" eaLnBrk="1" latinLnBrk="1" hangingPunct="1">
+              <a:defRPr sz="1800" kern="1200">
+                <a:solidFill>
+                  <a:schemeClr val="tx1"/>
+                </a:solidFill>
+                <a:latin typeface="+mn-lt"/>
+                <a:ea typeface="+mn-ea"/>
+                <a:cs typeface="+mn-cs"/>
+              </a:defRPr>
+            </a:lvl5pPr>
+            <a:lvl6pPr marL="2286000" algn="l" defTabSz="914400" rtl="0" eaLnBrk="1" latinLnBrk="1" hangingPunct="1">
+              <a:defRPr sz="1800" kern="1200">
+                <a:solidFill>
+                  <a:schemeClr val="tx1"/>
+                </a:solidFill>
+                <a:latin typeface="+mn-lt"/>
+                <a:ea typeface="+mn-ea"/>
+                <a:cs typeface="+mn-cs"/>
+              </a:defRPr>
+            </a:lvl6pPr>
+            <a:lvl7pPr marL="2743200" algn="l" defTabSz="914400" rtl="0" eaLnBrk="1" latinLnBrk="1" hangingPunct="1">
+              <a:defRPr sz="1800" kern="1200">
+                <a:solidFill>
+                  <a:schemeClr val="tx1"/>
+                </a:solidFill>
+                <a:latin typeface="+mn-lt"/>
+                <a:ea typeface="+mn-ea"/>
+                <a:cs typeface="+mn-cs"/>
+              </a:defRPr>
+            </a:lvl7pPr>
+            <a:lvl8pPr marL="3200400" algn="l" defTabSz="914400" rtl="0" eaLnBrk="1" latinLnBrk="1" hangingPunct="1">
+              <a:defRPr sz="1800" kern="1200">
+                <a:solidFill>
+                  <a:schemeClr val="tx1"/>
+                </a:solidFill>
+                <a:latin typeface="+mn-lt"/>
+                <a:ea typeface="+mn-ea"/>
+                <a:cs typeface="+mn-cs"/>
+              </a:defRPr>
+            </a:lvl8pPr>
+            <a:lvl9pPr marL="3657600" algn="l" defTabSz="914400" rtl="0" eaLnBrk="1" latinLnBrk="1" hangingPunct="1">
+              <a:defRPr sz="1800" kern="1200">
+                <a:solidFill>
+                  <a:schemeClr val="tx1"/>
+                </a:solidFill>
+                <a:latin typeface="+mn-lt"/>
+                <a:ea typeface="+mn-ea"/>
+                <a:cs typeface="+mn-cs"/>
+              </a:defRPr>
+            </a:lvl9pPr>
+          </a:lstStyle>
+          <a:p>
+            <a:fld id="{5AA28E66-120B-484F-92DB-562B1AF73FA6}" type="slidenum">
+              <a:rPr lang="ko-KR" altLang="en-US" smtClean="0"/>
+              <a:pPr/>
+              <a:t>14</a:t>
+            </a:fld>
+            <a:endParaRPr lang="ko-KR" altLang="en-US" dirty="0"/>
+          </a:p>
+        </p:txBody>
+      </p:sp>
+      <p:sp>
+        <p:nvSpPr>
+          <p:cNvPr id="8" name="Slide Number Placeholder 1"/>
+          <p:cNvSpPr txBox="1">
+            <a:spLocks/>
+          </p:cNvSpPr>
+          <p:nvPr/>
+        </p:nvSpPr>
+        <p:spPr>
+          <a:xfrm>
+            <a:off x="7594600" y="6579350"/>
+            <a:ext cx="2311400" cy="278650"/>
+          </a:xfrm>
+          <a:prstGeom prst="rect">
+            <a:avLst/>
+          </a:prstGeom>
+        </p:spPr>
+        <p:txBody>
+          <a:bodyPr vert="horz" lIns="91440" tIns="45720" rIns="91440" bIns="45720" rtlCol="0" anchor="ctr"/>
+          <a:lstStyle>
+            <a:defPPr>
+              <a:defRPr lang="ko-KR"/>
+            </a:defPPr>
+            <a:lvl1pPr marL="0" algn="r" defTabSz="914400" rtl="0" eaLnBrk="1" latinLnBrk="1" hangingPunct="1">
+              <a:defRPr sz="1000" kern="1200">
+                <a:solidFill>
+                  <a:srgbClr val="FFFFFF"/>
+                </a:solidFill>
+                <a:latin typeface="+mn-lt"/>
+                <a:ea typeface="+mn-ea"/>
+                <a:cs typeface="+mn-cs"/>
+              </a:defRPr>
+            </a:lvl1pPr>
+            <a:lvl2pPr marL="457200" algn="l" defTabSz="914400" rtl="0" eaLnBrk="1" latinLnBrk="1" hangingPunct="1">
+              <a:defRPr sz="1800" kern="1200">
+                <a:solidFill>
+                  <a:schemeClr val="tx1"/>
+                </a:solidFill>
+                <a:latin typeface="+mn-lt"/>
+                <a:ea typeface="+mn-ea"/>
+                <a:cs typeface="+mn-cs"/>
+              </a:defRPr>
+            </a:lvl2pPr>
+            <a:lvl3pPr marL="914400" algn="l" defTabSz="914400" rtl="0" eaLnBrk="1" latinLnBrk="1" hangingPunct="1">
+              <a:defRPr sz="1800" kern="1200">
+                <a:solidFill>
+                  <a:schemeClr val="tx1"/>
+                </a:solidFill>
+                <a:latin typeface="+mn-lt"/>
+                <a:ea typeface="+mn-ea"/>
+                <a:cs typeface="+mn-cs"/>
+              </a:defRPr>
+            </a:lvl3pPr>
+            <a:lvl4pPr marL="1371600" algn="l" defTabSz="914400" rtl="0" eaLnBrk="1" latinLnBrk="1" hangingPunct="1">
+              <a:defRPr sz="1800" kern="1200">
+                <a:solidFill>
+                  <a:schemeClr val="tx1"/>
+                </a:solidFill>
+                <a:latin typeface="+mn-lt"/>
+                <a:ea typeface="+mn-ea"/>
+                <a:cs typeface="+mn-cs"/>
+              </a:defRPr>
+            </a:lvl4pPr>
+            <a:lvl5pPr marL="1828800" algn="l" defTabSz="914400" rtl="0" eaLnBrk="1" latinLnBrk="1" hangingPunct="1">
+              <a:defRPr sz="1800" kern="1200">
+                <a:solidFill>
+                  <a:schemeClr val="tx1"/>
+                </a:solidFill>
+                <a:latin typeface="+mn-lt"/>
+                <a:ea typeface="+mn-ea"/>
+                <a:cs typeface="+mn-cs"/>
+              </a:defRPr>
+            </a:lvl5pPr>
+            <a:lvl6pPr marL="2286000" algn="l" defTabSz="914400" rtl="0" eaLnBrk="1" latinLnBrk="1" hangingPunct="1">
+              <a:defRPr sz="1800" kern="1200">
+                <a:solidFill>
+                  <a:schemeClr val="tx1"/>
+                </a:solidFill>
+                <a:latin typeface="+mn-lt"/>
+                <a:ea typeface="+mn-ea"/>
+                <a:cs typeface="+mn-cs"/>
+              </a:defRPr>
+            </a:lvl6pPr>
+            <a:lvl7pPr marL="2743200" algn="l" defTabSz="914400" rtl="0" eaLnBrk="1" latinLnBrk="1" hangingPunct="1">
+              <a:defRPr sz="1800" kern="1200">
+                <a:solidFill>
+                  <a:schemeClr val="tx1"/>
+                </a:solidFill>
+                <a:latin typeface="+mn-lt"/>
+                <a:ea typeface="+mn-ea"/>
+                <a:cs typeface="+mn-cs"/>
+              </a:defRPr>
+            </a:lvl7pPr>
+            <a:lvl8pPr marL="3200400" algn="l" defTabSz="914400" rtl="0" eaLnBrk="1" latinLnBrk="1" hangingPunct="1">
+              <a:defRPr sz="1800" kern="1200">
+                <a:solidFill>
+                  <a:schemeClr val="tx1"/>
+                </a:solidFill>
+                <a:latin typeface="+mn-lt"/>
+                <a:ea typeface="+mn-ea"/>
+                <a:cs typeface="+mn-cs"/>
+              </a:defRPr>
+            </a:lvl8pPr>
+            <a:lvl9pPr marL="3657600" algn="l" defTabSz="914400" rtl="0" eaLnBrk="1" latinLnBrk="1" hangingPunct="1">
+              <a:defRPr sz="1800" kern="1200">
+                <a:solidFill>
+                  <a:schemeClr val="tx1"/>
+                </a:solidFill>
+                <a:latin typeface="+mn-lt"/>
+                <a:ea typeface="+mn-ea"/>
+                <a:cs typeface="+mn-cs"/>
+              </a:defRPr>
+            </a:lvl9pPr>
+          </a:lstStyle>
+          <a:p>
+            <a:fld id="{5AA28E66-120B-484F-92DB-562B1AF73FA6}" type="slidenum">
+              <a:rPr lang="ko-KR" altLang="en-US" smtClean="0"/>
+              <a:pPr/>
+              <a:t>14</a:t>
+            </a:fld>
+            <a:endParaRPr lang="ko-KR" altLang="en-US" dirty="0"/>
+          </a:p>
+        </p:txBody>
+      </p:sp>
+      <p:sp>
+        <p:nvSpPr>
+          <p:cNvPr id="9" name="Slide Number Placeholder 1"/>
+          <p:cNvSpPr txBox="1">
+            <a:spLocks/>
+          </p:cNvSpPr>
+          <p:nvPr/>
+        </p:nvSpPr>
+        <p:spPr>
+          <a:xfrm>
+            <a:off x="7594600" y="6579350"/>
+            <a:ext cx="2311400" cy="278650"/>
+          </a:xfrm>
+          <a:prstGeom prst="rect">
+            <a:avLst/>
+          </a:prstGeom>
+        </p:spPr>
+        <p:txBody>
+          <a:bodyPr vert="horz" lIns="91440" tIns="45720" rIns="91440" bIns="45720" rtlCol="0" anchor="ctr"/>
+          <a:lstStyle>
+            <a:defPPr>
+              <a:defRPr lang="ko-KR"/>
+            </a:defPPr>
+            <a:lvl1pPr marL="0" algn="r" defTabSz="914400" rtl="0" eaLnBrk="1" latinLnBrk="1" hangingPunct="1">
+              <a:defRPr sz="1000" kern="1200">
+                <a:solidFill>
+                  <a:srgbClr val="FFFFFF"/>
+                </a:solidFill>
+                <a:latin typeface="+mn-lt"/>
+                <a:ea typeface="+mn-ea"/>
+                <a:cs typeface="+mn-cs"/>
+              </a:defRPr>
+            </a:lvl1pPr>
+            <a:lvl2pPr marL="457200" algn="l" defTabSz="914400" rtl="0" eaLnBrk="1" latinLnBrk="1" hangingPunct="1">
+              <a:defRPr sz="1800" kern="1200">
+                <a:solidFill>
+                  <a:schemeClr val="tx1"/>
+                </a:solidFill>
+                <a:latin typeface="+mn-lt"/>
+                <a:ea typeface="+mn-ea"/>
+                <a:cs typeface="+mn-cs"/>
+              </a:defRPr>
+            </a:lvl2pPr>
+            <a:lvl3pPr marL="914400" algn="l" defTabSz="914400" rtl="0" eaLnBrk="1" latinLnBrk="1" hangingPunct="1">
+              <a:defRPr sz="1800" kern="1200">
+                <a:solidFill>
+                  <a:schemeClr val="tx1"/>
+                </a:solidFill>
+                <a:latin typeface="+mn-lt"/>
+                <a:ea typeface="+mn-ea"/>
+                <a:cs typeface="+mn-cs"/>
+              </a:defRPr>
+            </a:lvl3pPr>
+            <a:lvl4pPr marL="1371600" algn="l" defTabSz="914400" rtl="0" eaLnBrk="1" latinLnBrk="1" hangingPunct="1">
+              <a:defRPr sz="1800" kern="1200">
+                <a:solidFill>
+                  <a:schemeClr val="tx1"/>
+                </a:solidFill>
+                <a:latin typeface="+mn-lt"/>
+                <a:ea typeface="+mn-ea"/>
+                <a:cs typeface="+mn-cs"/>
+              </a:defRPr>
+            </a:lvl4pPr>
+            <a:lvl5pPr marL="1828800" algn="l" defTabSz="914400" rtl="0" eaLnBrk="1" latinLnBrk="1" hangingPunct="1">
+              <a:defRPr sz="1800" kern="1200">
+                <a:solidFill>
+                  <a:schemeClr val="tx1"/>
+                </a:solidFill>
+                <a:latin typeface="+mn-lt"/>
+                <a:ea typeface="+mn-ea"/>
+                <a:cs typeface="+mn-cs"/>
+              </a:defRPr>
+            </a:lvl5pPr>
+            <a:lvl6pPr marL="2286000" algn="l" defTabSz="914400" rtl="0" eaLnBrk="1" latinLnBrk="1" hangingPunct="1">
+              <a:defRPr sz="1800" kern="1200">
+                <a:solidFill>
+                  <a:schemeClr val="tx1"/>
+                </a:solidFill>
+                <a:latin typeface="+mn-lt"/>
+                <a:ea typeface="+mn-ea"/>
+                <a:cs typeface="+mn-cs"/>
+              </a:defRPr>
+            </a:lvl6pPr>
+            <a:lvl7pPr marL="2743200" algn="l" defTabSz="914400" rtl="0" eaLnBrk="1" latinLnBrk="1" hangingPunct="1">
+              <a:defRPr sz="1800" kern="1200">
+                <a:solidFill>
+                  <a:schemeClr val="tx1"/>
+                </a:solidFill>
+                <a:latin typeface="+mn-lt"/>
+                <a:ea typeface="+mn-ea"/>
+                <a:cs typeface="+mn-cs"/>
+              </a:defRPr>
+            </a:lvl7pPr>
+            <a:lvl8pPr marL="3200400" algn="l" defTabSz="914400" rtl="0" eaLnBrk="1" latinLnBrk="1" hangingPunct="1">
+              <a:defRPr sz="1800" kern="1200">
+                <a:solidFill>
+                  <a:schemeClr val="tx1"/>
+                </a:solidFill>
+                <a:latin typeface="+mn-lt"/>
+                <a:ea typeface="+mn-ea"/>
+                <a:cs typeface="+mn-cs"/>
+              </a:defRPr>
+            </a:lvl8pPr>
+            <a:lvl9pPr marL="3657600" algn="l" defTabSz="914400" rtl="0" eaLnBrk="1" latinLnBrk="1" hangingPunct="1">
+              <a:defRPr sz="1800" kern="1200">
+                <a:solidFill>
+                  <a:schemeClr val="tx1"/>
+                </a:solidFill>
+                <a:latin typeface="+mn-lt"/>
+                <a:ea typeface="+mn-ea"/>
+                <a:cs typeface="+mn-cs"/>
+              </a:defRPr>
+            </a:lvl9pPr>
+          </a:lstStyle>
+          <a:p>
+            <a:fld id="{5AA28E66-120B-484F-92DB-562B1AF73FA6}" type="slidenum">
+              <a:rPr lang="ko-KR" altLang="en-US" smtClean="0"/>
+              <a:pPr/>
+              <a:t>14</a:t>
+            </a:fld>
+            <a:endParaRPr lang="ko-KR" altLang="en-US" dirty="0"/>
+          </a:p>
+        </p:txBody>
+      </p:sp>
+      <p:sp>
+        <p:nvSpPr>
+          <p:cNvPr id="10" name="Slide Number Placeholder 1"/>
+          <p:cNvSpPr txBox="1">
+            <a:spLocks/>
+          </p:cNvSpPr>
+          <p:nvPr/>
+        </p:nvSpPr>
+        <p:spPr>
+          <a:xfrm>
+            <a:off x="7594600" y="6579350"/>
+            <a:ext cx="2311400" cy="278650"/>
+          </a:xfrm>
+          <a:prstGeom prst="rect">
+            <a:avLst/>
+          </a:prstGeom>
+        </p:spPr>
+        <p:txBody>
+          <a:bodyPr vert="horz" lIns="91440" tIns="45720" rIns="91440" bIns="45720" rtlCol="0" anchor="ctr"/>
+          <a:lstStyle>
+            <a:defPPr>
+              <a:defRPr lang="ko-KR"/>
+            </a:defPPr>
+            <a:lvl1pPr marL="0" algn="r" defTabSz="914400" rtl="0" eaLnBrk="1" latinLnBrk="1" hangingPunct="1">
+              <a:defRPr sz="1000" kern="1200">
+                <a:solidFill>
+                  <a:srgbClr val="FFFFFF"/>
+                </a:solidFill>
+                <a:latin typeface="+mn-lt"/>
+                <a:ea typeface="+mn-ea"/>
+                <a:cs typeface="+mn-cs"/>
+              </a:defRPr>
+            </a:lvl1pPr>
+            <a:lvl2pPr marL="457200" algn="l" defTabSz="914400" rtl="0" eaLnBrk="1" latinLnBrk="1" hangingPunct="1">
+              <a:defRPr sz="1800" kern="1200">
+                <a:solidFill>
+                  <a:schemeClr val="tx1"/>
+                </a:solidFill>
+                <a:latin typeface="+mn-lt"/>
+                <a:ea typeface="+mn-ea"/>
+                <a:cs typeface="+mn-cs"/>
+              </a:defRPr>
+            </a:lvl2pPr>
+            <a:lvl3pPr marL="914400" algn="l" defTabSz="914400" rtl="0" eaLnBrk="1" latinLnBrk="1" hangingPunct="1">
+              <a:defRPr sz="1800" kern="1200">
+                <a:solidFill>
+                  <a:schemeClr val="tx1"/>
+                </a:solidFill>
+                <a:latin typeface="+mn-lt"/>
+                <a:ea typeface="+mn-ea"/>
+                <a:cs typeface="+mn-cs"/>
+              </a:defRPr>
+            </a:lvl3pPr>
+            <a:lvl4pPr marL="1371600" algn="l" defTabSz="914400" rtl="0" eaLnBrk="1" latinLnBrk="1" hangingPunct="1">
+              <a:defRPr sz="1800" kern="1200">
+                <a:solidFill>
+                  <a:schemeClr val="tx1"/>
+                </a:solidFill>
+                <a:latin typeface="+mn-lt"/>
+                <a:ea typeface="+mn-ea"/>
+                <a:cs typeface="+mn-cs"/>
+              </a:defRPr>
+            </a:lvl4pPr>
+            <a:lvl5pPr marL="1828800" algn="l" defTabSz="914400" rtl="0" eaLnBrk="1" latinLnBrk="1" hangingPunct="1">
+              <a:defRPr sz="1800" kern="1200">
+                <a:solidFill>
+                  <a:schemeClr val="tx1"/>
+                </a:solidFill>
+                <a:latin typeface="+mn-lt"/>
+                <a:ea typeface="+mn-ea"/>
+                <a:cs typeface="+mn-cs"/>
+              </a:defRPr>
+            </a:lvl5pPr>
+            <a:lvl6pPr marL="2286000" algn="l" defTabSz="914400" rtl="0" eaLnBrk="1" latinLnBrk="1" hangingPunct="1">
+              <a:defRPr sz="1800" kern="1200">
+                <a:solidFill>
+                  <a:schemeClr val="tx1"/>
+                </a:solidFill>
+                <a:latin typeface="+mn-lt"/>
+                <a:ea typeface="+mn-ea"/>
+                <a:cs typeface="+mn-cs"/>
+              </a:defRPr>
+            </a:lvl6pPr>
+            <a:lvl7pPr marL="2743200" algn="l" defTabSz="914400" rtl="0" eaLnBrk="1" latinLnBrk="1" hangingPunct="1">
+              <a:defRPr sz="1800" kern="1200">
+                <a:solidFill>
+                  <a:schemeClr val="tx1"/>
+                </a:solidFill>
+                <a:latin typeface="+mn-lt"/>
+                <a:ea typeface="+mn-ea"/>
+                <a:cs typeface="+mn-cs"/>
+              </a:defRPr>
+            </a:lvl7pPr>
+            <a:lvl8pPr marL="3200400" algn="l" defTabSz="914400" rtl="0" eaLnBrk="1" latinLnBrk="1" hangingPunct="1">
+              <a:defRPr sz="1800" kern="1200">
+                <a:solidFill>
+                  <a:schemeClr val="tx1"/>
+                </a:solidFill>
+                <a:latin typeface="+mn-lt"/>
+                <a:ea typeface="+mn-ea"/>
+                <a:cs typeface="+mn-cs"/>
+              </a:defRPr>
+            </a:lvl8pPr>
+            <a:lvl9pPr marL="3657600" algn="l" defTabSz="914400" rtl="0" eaLnBrk="1" latinLnBrk="1" hangingPunct="1">
+              <a:defRPr sz="1800" kern="1200">
+                <a:solidFill>
+                  <a:schemeClr val="tx1"/>
+                </a:solidFill>
+                <a:latin typeface="+mn-lt"/>
+                <a:ea typeface="+mn-ea"/>
+                <a:cs typeface="+mn-cs"/>
+              </a:defRPr>
+            </a:lvl9pPr>
+          </a:lstStyle>
+          <a:p>
+            <a:fld id="{5AA28E66-120B-484F-92DB-562B1AF73FA6}" type="slidenum">
+              <a:rPr lang="ko-KR" altLang="en-US" smtClean="0"/>
+              <a:pPr/>
+              <a:t>14</a:t>
+            </a:fld>
+            <a:endParaRPr lang="ko-KR" altLang="en-US" dirty="0"/>
+          </a:p>
+        </p:txBody>
+      </p:sp>
+      <p:sp>
+        <p:nvSpPr>
           <p:cNvPr id="11" name="Rectangle 38"/>
           <p:cNvSpPr txBox="1">
             <a:spLocks noChangeArrowheads="1"/>
@@ -5369,7 +7118,7 @@
 </p:sld>
 </file>
 
-<file path=ppt/slides/slide14.xml><?xml version="1.0" encoding="utf-8"?>
+<file path=ppt/slides/slide15.xml><?xml version="1.0" encoding="utf-8"?>
 <p:sld xmlns:a="http://schemas.openxmlformats.org/drawingml/2006/main" xmlns:r="http://schemas.openxmlformats.org/officeDocument/2006/relationships" xmlns:p="http://schemas.openxmlformats.org/presentationml/2006/main">
   <p:cSld>
     <p:spTree>
@@ -5404,7 +7153,7 @@
             <a:fld id="{5AA28E66-120B-484F-92DB-562B1AF73FA6}" type="slidenum">
               <a:rPr lang="ko-KR" altLang="en-US" smtClean="0"/>
               <a:pPr/>
-              <a:t>14</a:t>
+              <a:t>15</a:t>
             </a:fld>
             <a:endParaRPr lang="ko-KR" altLang="en-US" dirty="0"/>
           </a:p>
@@ -5528,7 +7277,7 @@
             <a:fld id="{5AA28E66-120B-484F-92DB-562B1AF73FA6}" type="slidenum">
               <a:rPr lang="ko-KR" altLang="en-US" smtClean="0"/>
               <a:pPr/>
-              <a:t>14</a:t>
+              <a:t>15</a:t>
             </a:fld>
             <a:endParaRPr lang="ko-KR" altLang="en-US" dirty="0"/>
           </a:p>
@@ -5652,7 +7401,7 @@
             <a:fld id="{5AA28E66-120B-484F-92DB-562B1AF73FA6}" type="slidenum">
               <a:rPr lang="ko-KR" altLang="en-US" smtClean="0"/>
               <a:pPr/>
-              <a:t>14</a:t>
+              <a:t>15</a:t>
             </a:fld>
             <a:endParaRPr lang="ko-KR" altLang="en-US" dirty="0"/>
           </a:p>
@@ -5776,7 +7525,7 @@
             <a:fld id="{5AA28E66-120B-484F-92DB-562B1AF73FA6}" type="slidenum">
               <a:rPr lang="ko-KR" altLang="en-US" smtClean="0"/>
               <a:pPr/>
-              <a:t>14</a:t>
+              <a:t>15</a:t>
             </a:fld>
             <a:endParaRPr lang="ko-KR" altLang="en-US" dirty="0"/>
           </a:p>
@@ -5900,7 +7649,7 @@
             <a:fld id="{5AA28E66-120B-484F-92DB-562B1AF73FA6}" type="slidenum">
               <a:rPr lang="ko-KR" altLang="en-US" smtClean="0"/>
               <a:pPr/>
-              <a:t>14</a:t>
+              <a:t>15</a:t>
             </a:fld>
             <a:endParaRPr lang="ko-KR" altLang="en-US" dirty="0"/>
           </a:p>
@@ -6024,7 +7773,7 @@
             <a:fld id="{5AA28E66-120B-484F-92DB-562B1AF73FA6}" type="slidenum">
               <a:rPr lang="ko-KR" altLang="en-US" smtClean="0"/>
               <a:pPr/>
-              <a:t>14</a:t>
+              <a:t>15</a:t>
             </a:fld>
             <a:endParaRPr lang="ko-KR" altLang="en-US" dirty="0"/>
           </a:p>
@@ -6148,7 +7897,7 @@
             <a:fld id="{5AA28E66-120B-484F-92DB-562B1AF73FA6}" type="slidenum">
               <a:rPr lang="ko-KR" altLang="en-US" smtClean="0"/>
               <a:pPr/>
-              <a:t>14</a:t>
+              <a:t>15</a:t>
             </a:fld>
             <a:endParaRPr lang="ko-KR" altLang="en-US" dirty="0"/>
           </a:p>
@@ -6272,7 +8021,7 @@
             <a:fld id="{5AA28E66-120B-484F-92DB-562B1AF73FA6}" type="slidenum">
               <a:rPr lang="ko-KR" altLang="en-US" smtClean="0"/>
               <a:pPr/>
-              <a:t>14</a:t>
+              <a:t>15</a:t>
             </a:fld>
             <a:endParaRPr lang="ko-KR" altLang="en-US" dirty="0"/>
           </a:p>
@@ -6658,7 +8407,7 @@
 </p:sld>
 </file>
 
-<file path=ppt/slides/slide15.xml><?xml version="1.0" encoding="utf-8"?>
+<file path=ppt/slides/slide16.xml><?xml version="1.0" encoding="utf-8"?>
 <p:sld xmlns:a="http://schemas.openxmlformats.org/drawingml/2006/main" xmlns:r="http://schemas.openxmlformats.org/officeDocument/2006/relationships" xmlns:p="http://schemas.openxmlformats.org/presentationml/2006/main">
   <p:cSld>
     <p:spTree>
@@ -6693,7 +8442,7 @@
             <a:fld id="{5AA28E66-120B-484F-92DB-562B1AF73FA6}" type="slidenum">
               <a:rPr lang="ko-KR" altLang="en-US" smtClean="0"/>
               <a:pPr/>
-              <a:t>15</a:t>
+              <a:t>16</a:t>
             </a:fld>
             <a:endParaRPr lang="ko-KR" altLang="en-US" dirty="0"/>
           </a:p>
@@ -6817,7 +8566,7 @@
             <a:fld id="{5AA28E66-120B-484F-92DB-562B1AF73FA6}" type="slidenum">
               <a:rPr lang="ko-KR" altLang="en-US" smtClean="0"/>
               <a:pPr/>
-              <a:t>15</a:t>
+              <a:t>16</a:t>
             </a:fld>
             <a:endParaRPr lang="ko-KR" altLang="en-US" dirty="0"/>
           </a:p>
@@ -6941,7 +8690,7 @@
             <a:fld id="{5AA28E66-120B-484F-92DB-562B1AF73FA6}" type="slidenum">
               <a:rPr lang="ko-KR" altLang="en-US" smtClean="0"/>
               <a:pPr/>
-              <a:t>15</a:t>
+              <a:t>16</a:t>
             </a:fld>
             <a:endParaRPr lang="ko-KR" altLang="en-US" dirty="0"/>
           </a:p>
@@ -7065,7 +8814,7 @@
             <a:fld id="{5AA28E66-120B-484F-92DB-562B1AF73FA6}" type="slidenum">
               <a:rPr lang="ko-KR" altLang="en-US" smtClean="0"/>
               <a:pPr/>
-              <a:t>15</a:t>
+              <a:t>16</a:t>
             </a:fld>
             <a:endParaRPr lang="ko-KR" altLang="en-US" dirty="0"/>
           </a:p>
@@ -7189,7 +8938,7 @@
             <a:fld id="{5AA28E66-120B-484F-92DB-562B1AF73FA6}" type="slidenum">
               <a:rPr lang="ko-KR" altLang="en-US" smtClean="0"/>
               <a:pPr/>
-              <a:t>15</a:t>
+              <a:t>16</a:t>
             </a:fld>
             <a:endParaRPr lang="ko-KR" altLang="en-US" dirty="0"/>
           </a:p>
@@ -7313,7 +9062,7 @@
             <a:fld id="{5AA28E66-120B-484F-92DB-562B1AF73FA6}" type="slidenum">
               <a:rPr lang="ko-KR" altLang="en-US" smtClean="0"/>
               <a:pPr/>
-              <a:t>15</a:t>
+              <a:t>16</a:t>
             </a:fld>
             <a:endParaRPr lang="ko-KR" altLang="en-US" dirty="0"/>
           </a:p>
@@ -7437,7 +9186,7 @@
             <a:fld id="{5AA28E66-120B-484F-92DB-562B1AF73FA6}" type="slidenum">
               <a:rPr lang="ko-KR" altLang="en-US" smtClean="0"/>
               <a:pPr/>
-              <a:t>15</a:t>
+              <a:t>16</a:t>
             </a:fld>
             <a:endParaRPr lang="ko-KR" altLang="en-US" dirty="0"/>
           </a:p>
@@ -7561,7 +9310,7 @@
             <a:fld id="{5AA28E66-120B-484F-92DB-562B1AF73FA6}" type="slidenum">
               <a:rPr lang="ko-KR" altLang="en-US" smtClean="0"/>
               <a:pPr/>
-              <a:t>15</a:t>
+              <a:t>16</a:t>
             </a:fld>
             <a:endParaRPr lang="ko-KR" altLang="en-US" dirty="0"/>
           </a:p>
@@ -7685,7 +9434,7 @@
             <a:fld id="{5AA28E66-120B-484F-92DB-562B1AF73FA6}" type="slidenum">
               <a:rPr lang="ko-KR" altLang="en-US" smtClean="0"/>
               <a:pPr/>
-              <a:t>15</a:t>
+              <a:t>16</a:t>
             </a:fld>
             <a:endParaRPr lang="ko-KR" altLang="en-US" dirty="0"/>
           </a:p>
@@ -7809,7 +9558,7 @@
             <a:fld id="{5AA28E66-120B-484F-92DB-562B1AF73FA6}" type="slidenum">
               <a:rPr lang="ko-KR" altLang="en-US" smtClean="0"/>
               <a:pPr/>
-              <a:t>15</a:t>
+              <a:t>16</a:t>
             </a:fld>
             <a:endParaRPr lang="ko-KR" altLang="en-US" dirty="0"/>
           </a:p>
@@ -7933,7 +9682,7 @@
             <a:fld id="{5AA28E66-120B-484F-92DB-562B1AF73FA6}" type="slidenum">
               <a:rPr lang="ko-KR" altLang="en-US" smtClean="0"/>
               <a:pPr/>
-              <a:t>15</a:t>
+              <a:t>16</a:t>
             </a:fld>
             <a:endParaRPr lang="ko-KR" altLang="en-US" dirty="0"/>
           </a:p>
@@ -8057,7 +9806,7 @@
             <a:fld id="{5AA28E66-120B-484F-92DB-562B1AF73FA6}" type="slidenum">
               <a:rPr lang="ko-KR" altLang="en-US" smtClean="0"/>
               <a:pPr/>
-              <a:t>15</a:t>
+              <a:t>16</a:t>
             </a:fld>
             <a:endParaRPr lang="ko-KR" altLang="en-US" dirty="0"/>
           </a:p>
@@ -8181,7 +9930,7 @@
             <a:fld id="{5AA28E66-120B-484F-92DB-562B1AF73FA6}" type="slidenum">
               <a:rPr lang="ko-KR" altLang="en-US" smtClean="0"/>
               <a:pPr/>
-              <a:t>15</a:t>
+              <a:t>16</a:t>
             </a:fld>
             <a:endParaRPr lang="ko-KR" altLang="en-US" dirty="0"/>
           </a:p>
@@ -8305,7 +10054,7 @@
             <a:fld id="{5AA28E66-120B-484F-92DB-562B1AF73FA6}" type="slidenum">
               <a:rPr lang="ko-KR" altLang="en-US" smtClean="0"/>
               <a:pPr/>
-              <a:t>15</a:t>
+              <a:t>16</a:t>
             </a:fld>
             <a:endParaRPr lang="ko-KR" altLang="en-US" dirty="0"/>
           </a:p>
@@ -9842,13 +11591,7 @@
               <a:rPr lang="ko-KR" altLang="en-US" sz="2000" dirty="0" smtClean="0">
                 <a:ea typeface="돋움" pitchFamily="50" charset="-127"/>
               </a:rPr>
-              <a:t> </a:t>
-            </a:r>
-            <a:r>
-              <a:rPr lang="ko-KR" altLang="en-US" sz="2000" dirty="0" smtClean="0">
-                <a:ea typeface="돋움" pitchFamily="50" charset="-127"/>
-              </a:rPr>
-              <a:t>모바일</a:t>
+              <a:t> 모바일</a:t>
             </a:r>
             <a:r>
               <a:rPr lang="en-US" altLang="ko-KR" sz="2000" dirty="0" smtClean="0">
